--- a/Fall_2020/Slides/12-Distributed_DBMS_Reliability-3.pptx
+++ b/Fall_2020/Slides/12-Distributed_DBMS_Reliability-3.pptx
@@ -5,10 +5,10 @@
     <p:sldMasterId id="2147483696" r:id="rId1"/>
   </p:sldMasterIdLst>
   <p:notesMasterIdLst>
-    <p:notesMasterId r:id="rId40"/>
+    <p:notesMasterId r:id="rId39"/>
   </p:notesMasterIdLst>
   <p:handoutMasterIdLst>
-    <p:handoutMasterId r:id="rId41"/>
+    <p:handoutMasterId r:id="rId40"/>
   </p:handoutMasterIdLst>
   <p:sldIdLst>
     <p:sldId id="256" r:id="rId2"/>
@@ -21,34 +21,33 @@
     <p:sldId id="766" r:id="rId9"/>
     <p:sldId id="767" r:id="rId10"/>
     <p:sldId id="768" r:id="rId11"/>
-    <p:sldId id="769" r:id="rId12"/>
-    <p:sldId id="770" r:id="rId13"/>
-    <p:sldId id="771" r:id="rId14"/>
-    <p:sldId id="772" r:id="rId15"/>
-    <p:sldId id="773" r:id="rId16"/>
-    <p:sldId id="774" r:id="rId17"/>
-    <p:sldId id="775" r:id="rId18"/>
-    <p:sldId id="776" r:id="rId19"/>
-    <p:sldId id="777" r:id="rId20"/>
-    <p:sldId id="779" r:id="rId21"/>
-    <p:sldId id="780" r:id="rId22"/>
-    <p:sldId id="781" r:id="rId23"/>
-    <p:sldId id="782" r:id="rId24"/>
-    <p:sldId id="783" r:id="rId25"/>
-    <p:sldId id="785" r:id="rId26"/>
-    <p:sldId id="786" r:id="rId27"/>
-    <p:sldId id="787" r:id="rId28"/>
-    <p:sldId id="788" r:id="rId29"/>
-    <p:sldId id="789" r:id="rId30"/>
-    <p:sldId id="790" r:id="rId31"/>
-    <p:sldId id="791" r:id="rId32"/>
-    <p:sldId id="792" r:id="rId33"/>
-    <p:sldId id="798" r:id="rId34"/>
-    <p:sldId id="799" r:id="rId35"/>
-    <p:sldId id="800" r:id="rId36"/>
-    <p:sldId id="801" r:id="rId37"/>
-    <p:sldId id="802" r:id="rId38"/>
-    <p:sldId id="804" r:id="rId39"/>
+    <p:sldId id="770" r:id="rId12"/>
+    <p:sldId id="771" r:id="rId13"/>
+    <p:sldId id="772" r:id="rId14"/>
+    <p:sldId id="773" r:id="rId15"/>
+    <p:sldId id="774" r:id="rId16"/>
+    <p:sldId id="775" r:id="rId17"/>
+    <p:sldId id="776" r:id="rId18"/>
+    <p:sldId id="777" r:id="rId19"/>
+    <p:sldId id="779" r:id="rId20"/>
+    <p:sldId id="780" r:id="rId21"/>
+    <p:sldId id="781" r:id="rId22"/>
+    <p:sldId id="782" r:id="rId23"/>
+    <p:sldId id="783" r:id="rId24"/>
+    <p:sldId id="785" r:id="rId25"/>
+    <p:sldId id="786" r:id="rId26"/>
+    <p:sldId id="787" r:id="rId27"/>
+    <p:sldId id="788" r:id="rId28"/>
+    <p:sldId id="789" r:id="rId29"/>
+    <p:sldId id="790" r:id="rId30"/>
+    <p:sldId id="791" r:id="rId31"/>
+    <p:sldId id="792" r:id="rId32"/>
+    <p:sldId id="798" r:id="rId33"/>
+    <p:sldId id="799" r:id="rId34"/>
+    <p:sldId id="800" r:id="rId35"/>
+    <p:sldId id="801" r:id="rId36"/>
+    <p:sldId id="802" r:id="rId37"/>
+    <p:sldId id="804" r:id="rId38"/>
   </p:sldIdLst>
   <p:sldSz cx="9144000" cy="6858000" type="screen4x3"/>
   <p:notesSz cx="6858000" cy="9144000"/>
@@ -287,7 +286,7 @@
               <a:pPr>
                 <a:defRPr/>
               </a:pPr>
-              <a:t>12/24/19</a:t>
+              <a:t>12/16/20</a:t>
             </a:fld>
             <a:endParaRPr lang="en-US"/>
           </a:p>
@@ -483,7 +482,7 @@
               <a:pPr>
                 <a:defRPr/>
               </a:pPr>
-              <a:t>2019/12/24</a:t>
+              <a:t>2020/12/16</a:t>
             </a:fld>
             <a:endParaRPr lang="zh-CN" altLang="en-US"/>
           </a:p>
@@ -1386,7 +1385,7 @@
               <a:pPr>
                 <a:defRPr/>
               </a:pPr>
-              <a:t>2019/12/24</a:t>
+              <a:t>2020/12/16</a:t>
             </a:fld>
             <a:endParaRPr lang="zh-CN" altLang="en-US"/>
           </a:p>
@@ -1592,7 +1591,7 @@
               <a:pPr>
                 <a:defRPr/>
               </a:pPr>
-              <a:t>2019/12/24</a:t>
+              <a:t>2020/12/16</a:t>
             </a:fld>
             <a:endParaRPr lang="zh-CN" altLang="en-US"/>
           </a:p>
@@ -1807,7 +1806,7 @@
               <a:pPr>
                 <a:defRPr/>
               </a:pPr>
-              <a:t>2019/12/24</a:t>
+              <a:t>2020/12/16</a:t>
             </a:fld>
             <a:endParaRPr lang="zh-CN" altLang="en-US"/>
           </a:p>
@@ -2012,7 +2011,7 @@
               <a:pPr>
                 <a:defRPr/>
               </a:pPr>
-              <a:t>2019/12/24</a:t>
+              <a:t>2020/12/16</a:t>
             </a:fld>
             <a:endParaRPr lang="zh-CN" altLang="en-US"/>
           </a:p>
@@ -2540,7 +2539,7 @@
               <a:pPr>
                 <a:defRPr/>
               </a:pPr>
-              <a:t>2019/12/24</a:t>
+              <a:t>2020/12/16</a:t>
             </a:fld>
             <a:endParaRPr lang="zh-CN" altLang="en-US"/>
           </a:p>
@@ -2845,7 +2844,7 @@
               <a:pPr>
                 <a:defRPr/>
               </a:pPr>
-              <a:t>2019/12/24</a:t>
+              <a:t>2020/12/16</a:t>
             </a:fld>
             <a:endParaRPr lang="zh-CN" altLang="en-US"/>
           </a:p>
@@ -3365,7 +3364,7 @@
               <a:pPr>
                 <a:defRPr/>
               </a:pPr>
-              <a:t>2019/12/24</a:t>
+              <a:t>2020/12/16</a:t>
             </a:fld>
             <a:endParaRPr lang="zh-CN" altLang="en-US"/>
           </a:p>
@@ -3522,7 +3521,7 @@
               <a:pPr>
                 <a:defRPr/>
               </a:pPr>
-              <a:t>2019/12/24</a:t>
+              <a:t>2020/12/16</a:t>
             </a:fld>
             <a:endParaRPr lang="zh-CN" altLang="en-US"/>
           </a:p>
@@ -3772,7 +3771,7 @@
               <a:pPr>
                 <a:defRPr/>
               </a:pPr>
-              <a:t>2019/12/24</a:t>
+              <a:t>2020/12/16</a:t>
             </a:fld>
             <a:endParaRPr lang="zh-CN" altLang="en-US"/>
           </a:p>
@@ -4070,7 +4069,7 @@
               <a:pPr>
                 <a:defRPr/>
               </a:pPr>
-              <a:t>2019/12/24</a:t>
+              <a:t>2020/12/16</a:t>
             </a:fld>
             <a:endParaRPr lang="zh-CN" altLang="en-US"/>
           </a:p>
@@ -4542,7 +4541,7 @@
               <a:pPr>
                 <a:defRPr/>
               </a:pPr>
-              <a:t>2019/12/24</a:t>
+              <a:t>2020/12/16</a:t>
             </a:fld>
             <a:endParaRPr lang="zh-CN" altLang="en-US"/>
           </a:p>
@@ -5114,7 +5113,7 @@
               <a:pPr>
                 <a:defRPr/>
               </a:pPr>
-              <a:t>2019/12/24</a:t>
+              <a:t>2020/12/16</a:t>
             </a:fld>
             <a:endParaRPr lang="zh-CN" altLang="en-US"/>
           </a:p>
@@ -5848,11 +5847,7 @@
             </a:r>
             <a:r>
               <a:rPr lang="en-US" altLang="zh-CN" sz="2800" smtClean="0"/>
-              <a:t>, </a:t>
-            </a:r>
-            <a:r>
-              <a:rPr lang="en-US" altLang="zh-CN" sz="2800" smtClean="0"/>
-              <a:t>2019</a:t>
+              <a:t>, 2019</a:t>
             </a:r>
             <a:endParaRPr lang="zh-CN" altLang="en-US" sz="2800" dirty="0"/>
           </a:p>
@@ -6476,7 +6471,7 @@
           <a:p>
             <a:r>
               <a:rPr lang="en-US" dirty="0"/>
-              <a:t>3PC Recovery Rules</a:t>
+              <a:t>3PC Node Recovery</a:t>
             </a:r>
           </a:p>
         </p:txBody>
@@ -6498,8 +6493,46 @@
           <a:p>
             <a:r>
               <a:rPr lang="en-US" dirty="0"/>
-              <a:t>3PC is unsafe with partitions</a:t>
-            </a:r>
+              <a:t>After node recovers from </a:t>
+            </a:r>
+            <a:r>
+              <a:rPr lang="en-US" dirty="0" smtClean="0"/>
+              <a:t>failure</a:t>
+            </a:r>
+          </a:p>
+          <a:p>
+            <a:pPr lvl="1"/>
+            <a:r>
+              <a:rPr lang="en-US" dirty="0" smtClean="0">
+                <a:solidFill>
+                  <a:srgbClr val="FF0000"/>
+                </a:solidFill>
+              </a:rPr>
+              <a:t>Do </a:t>
+            </a:r>
+            <a:r>
+              <a:rPr lang="en-US" dirty="0">
+                <a:solidFill>
+                  <a:srgbClr val="FF0000"/>
+                </a:solidFill>
+              </a:rPr>
+              <a:t>not</a:t>
+            </a:r>
+            <a:r>
+              <a:rPr lang="en-US" dirty="0"/>
+              <a:t> participate in termination </a:t>
+            </a:r>
+            <a:r>
+              <a:rPr lang="en-US" dirty="0" smtClean="0"/>
+              <a:t>protocol</a:t>
+            </a:r>
+          </a:p>
+          <a:p>
+            <a:r>
+              <a:rPr lang="en-US" altLang="zh-CN" dirty="0" smtClean="0"/>
+              <a:t>Counter-example</a:t>
+            </a:r>
+            <a:endParaRPr lang="en-US" dirty="0"/>
           </a:p>
         </p:txBody>
       </p:sp>
@@ -6553,210 +6586,6 @@
                 <a:defRPr/>
               </a:pPr>
               <a:t>11</a:t>
-            </a:fld>
-            <a:endParaRPr lang="zh-CN" altLang="en-US"/>
-          </a:p>
-        </p:txBody>
-      </p:sp>
-      <p:pic>
-        <p:nvPicPr>
-          <p:cNvPr id="6" name="Picture 5"/>
-          <p:cNvPicPr>
-            <a:picLocks noChangeAspect="1"/>
-          </p:cNvPicPr>
-          <p:nvPr/>
-        </p:nvPicPr>
-        <p:blipFill>
-          <a:blip r:embed="rId2">
-            <a:extLst>
-              <a:ext uri="{28A0092B-C50C-407E-A947-70E740481C1C}">
-                <a14:useLocalDpi xmlns:a14="http://schemas.microsoft.com/office/drawing/2010/main" val="0"/>
-              </a:ext>
-            </a:extLst>
-          </a:blip>
-          <a:stretch>
-            <a:fillRect/>
-          </a:stretch>
-        </p:blipFill>
-        <p:spPr>
-          <a:xfrm>
-            <a:off x="1470966" y="2204864"/>
-            <a:ext cx="7290899" cy="3096344"/>
-          </a:xfrm>
-          <a:prstGeom prst="rect">
-            <a:avLst/>
-          </a:prstGeom>
-        </p:spPr>
-      </p:pic>
-    </p:spTree>
-    <p:extLst>
-      <p:ext uri="{BB962C8B-B14F-4D97-AF65-F5344CB8AC3E}">
-        <p14:creationId xmlns:p14="http://schemas.microsoft.com/office/powerpoint/2010/main" val="1469287389"/>
-      </p:ext>
-    </p:extLst>
-  </p:cSld>
-  <p:clrMapOvr>
-    <a:masterClrMapping/>
-  </p:clrMapOvr>
-  <p:timing>
-    <p:tnLst>
-      <p:par>
-        <p:cTn id="1" dur="indefinite" restart="never" nodeType="tmRoot"/>
-      </p:par>
-    </p:tnLst>
-  </p:timing>
-</p:sld>
-</file>
-
-<file path=ppt/slides/slide12.xml><?xml version="1.0" encoding="utf-8"?>
-<p:sld xmlns:a="http://schemas.openxmlformats.org/drawingml/2006/main" xmlns:r="http://schemas.openxmlformats.org/officeDocument/2006/relationships" xmlns:p="http://schemas.openxmlformats.org/presentationml/2006/main">
-  <p:cSld>
-    <p:spTree>
-      <p:nvGrpSpPr>
-        <p:cNvPr id="1" name=""/>
-        <p:cNvGrpSpPr/>
-        <p:nvPr/>
-      </p:nvGrpSpPr>
-      <p:grpSpPr>
-        <a:xfrm>
-          <a:off x="0" y="0"/>
-          <a:ext cx="0" cy="0"/>
-          <a:chOff x="0" y="0"/>
-          <a:chExt cx="0" cy="0"/>
-        </a:xfrm>
-      </p:grpSpPr>
-      <p:sp>
-        <p:nvSpPr>
-          <p:cNvPr id="2" name="Title 1"/>
-          <p:cNvSpPr>
-            <a:spLocks noGrp="1"/>
-          </p:cNvSpPr>
-          <p:nvPr>
-            <p:ph type="title"/>
-          </p:nvPr>
-        </p:nvSpPr>
-        <p:spPr/>
-        <p:txBody>
-          <a:bodyPr/>
-          <a:lstStyle/>
-          <a:p>
-            <a:r>
-              <a:rPr lang="en-US" dirty="0"/>
-              <a:t>3PC Node Recovery</a:t>
-            </a:r>
-          </a:p>
-        </p:txBody>
-      </p:sp>
-      <p:sp>
-        <p:nvSpPr>
-          <p:cNvPr id="3" name="Content Placeholder 2"/>
-          <p:cNvSpPr>
-            <a:spLocks noGrp="1"/>
-          </p:cNvSpPr>
-          <p:nvPr>
-            <p:ph idx="1"/>
-          </p:nvPr>
-        </p:nvSpPr>
-        <p:spPr/>
-        <p:txBody>
-          <a:bodyPr/>
-          <a:lstStyle/>
-          <a:p>
-            <a:r>
-              <a:rPr lang="en-US" dirty="0"/>
-              <a:t>After node recovers from </a:t>
-            </a:r>
-            <a:r>
-              <a:rPr lang="en-US" dirty="0" smtClean="0"/>
-              <a:t>failure</a:t>
-            </a:r>
-          </a:p>
-          <a:p>
-            <a:pPr lvl="1"/>
-            <a:r>
-              <a:rPr lang="en-US" dirty="0" smtClean="0">
-                <a:solidFill>
-                  <a:srgbClr val="FF0000"/>
-                </a:solidFill>
-              </a:rPr>
-              <a:t>Do </a:t>
-            </a:r>
-            <a:r>
-              <a:rPr lang="en-US" dirty="0">
-                <a:solidFill>
-                  <a:srgbClr val="FF0000"/>
-                </a:solidFill>
-              </a:rPr>
-              <a:t>not</a:t>
-            </a:r>
-            <a:r>
-              <a:rPr lang="en-US" dirty="0"/>
-              <a:t> participate in termination </a:t>
-            </a:r>
-            <a:r>
-              <a:rPr lang="en-US" dirty="0" smtClean="0"/>
-              <a:t>protocol</a:t>
-            </a:r>
-          </a:p>
-          <a:p>
-            <a:r>
-              <a:rPr lang="en-US" altLang="zh-CN" dirty="0" smtClean="0"/>
-              <a:t>Counter-example</a:t>
-            </a:r>
-            <a:endParaRPr lang="en-US" dirty="0"/>
-          </a:p>
-        </p:txBody>
-      </p:sp>
-      <p:sp>
-        <p:nvSpPr>
-          <p:cNvPr id="4" name="Footer Placeholder 3"/>
-          <p:cNvSpPr>
-            <a:spLocks noGrp="1"/>
-          </p:cNvSpPr>
-          <p:nvPr>
-            <p:ph type="ftr" sz="quarter" idx="11"/>
-          </p:nvPr>
-        </p:nvSpPr>
-        <p:spPr/>
-        <p:txBody>
-          <a:bodyPr/>
-          <a:lstStyle/>
-          <a:p>
-            <a:pPr>
-              <a:defRPr/>
-            </a:pPr>
-            <a:r>
-              <a:rPr lang="en-US" altLang="zh-CN" smtClean="0"/>
-              <a:t>Distributed Database Systems</a:t>
-            </a:r>
-            <a:endParaRPr lang="zh-CN" altLang="en-US"/>
-          </a:p>
-        </p:txBody>
-      </p:sp>
-      <p:sp>
-        <p:nvSpPr>
-          <p:cNvPr id="5" name="Slide Number Placeholder 4"/>
-          <p:cNvSpPr>
-            <a:spLocks noGrp="1"/>
-          </p:cNvSpPr>
-          <p:nvPr>
-            <p:ph type="sldNum" sz="quarter" idx="12"/>
-          </p:nvPr>
-        </p:nvSpPr>
-        <p:spPr/>
-        <p:txBody>
-          <a:bodyPr/>
-          <a:lstStyle/>
-          <a:p>
-            <a:pPr>
-              <a:defRPr/>
-            </a:pPr>
-            <a:fld id="{07A5CAEE-885A-5D41-93DF-9DC29A9FE4F0}" type="slidenum">
-              <a:rPr lang="zh-CN" altLang="en-US" smtClean="0"/>
-              <a:pPr>
-                <a:defRPr/>
-              </a:pPr>
-              <a:t>12</a:t>
             </a:fld>
             <a:endParaRPr lang="zh-CN" altLang="en-US"/>
           </a:p>
@@ -6930,7 +6759,7 @@
 </p:sld>
 </file>
 
-<file path=ppt/slides/slide13.xml><?xml version="1.0" encoding="utf-8"?>
+<file path=ppt/slides/slide12.xml><?xml version="1.0" encoding="utf-8"?>
 <p:sld xmlns:a="http://schemas.openxmlformats.org/drawingml/2006/main" xmlns:r="http://schemas.openxmlformats.org/officeDocument/2006/relationships" xmlns:p="http://schemas.openxmlformats.org/presentationml/2006/main">
   <p:cSld>
     <p:spTree>
@@ -7055,7 +6884,7 @@
               <a:pPr>
                 <a:defRPr/>
               </a:pPr>
-              <a:t>13</a:t>
+              <a:t>12</a:t>
             </a:fld>
             <a:endParaRPr lang="zh-CN" altLang="en-US"/>
           </a:p>
@@ -7140,6 +6969,205 @@
     <p:extLst>
       <p:ext uri="{BB962C8B-B14F-4D97-AF65-F5344CB8AC3E}">
         <p14:creationId xmlns:p14="http://schemas.microsoft.com/office/powerpoint/2010/main" val="1827074714"/>
+      </p:ext>
+    </p:extLst>
+  </p:cSld>
+  <p:clrMapOvr>
+    <a:masterClrMapping/>
+  </p:clrMapOvr>
+  <p:timing>
+    <p:tnLst>
+      <p:par>
+        <p:cTn id="1" dur="indefinite" restart="never" nodeType="tmRoot"/>
+      </p:par>
+    </p:tnLst>
+  </p:timing>
+</p:sld>
+</file>
+
+<file path=ppt/slides/slide13.xml><?xml version="1.0" encoding="utf-8"?>
+<p:sld xmlns:a="http://schemas.openxmlformats.org/drawingml/2006/main" xmlns:r="http://schemas.openxmlformats.org/officeDocument/2006/relationships" xmlns:p="http://schemas.openxmlformats.org/presentationml/2006/main">
+  <p:cSld>
+    <p:spTree>
+      <p:nvGrpSpPr>
+        <p:cNvPr id="1" name=""/>
+        <p:cNvGrpSpPr/>
+        <p:nvPr/>
+      </p:nvGrpSpPr>
+      <p:grpSpPr>
+        <a:xfrm>
+          <a:off x="0" y="0"/>
+          <a:ext cx="0" cy="0"/>
+          <a:chOff x="0" y="0"/>
+          <a:chExt cx="0" cy="0"/>
+        </a:xfrm>
+      </p:grpSpPr>
+      <p:sp>
+        <p:nvSpPr>
+          <p:cNvPr id="2" name="Title 1"/>
+          <p:cNvSpPr>
+            <a:spLocks noGrp="1"/>
+          </p:cNvSpPr>
+          <p:nvPr>
+            <p:ph type="title"/>
+          </p:nvPr>
+        </p:nvSpPr>
+        <p:spPr/>
+        <p:txBody>
+          <a:bodyPr/>
+          <a:lstStyle/>
+          <a:p>
+            <a:r>
+              <a:rPr lang="en-US" dirty="0"/>
+              <a:t>3PC Node Recovery</a:t>
+            </a:r>
+          </a:p>
+        </p:txBody>
+      </p:sp>
+      <p:sp>
+        <p:nvSpPr>
+          <p:cNvPr id="3" name="Content Placeholder 2"/>
+          <p:cNvSpPr>
+            <a:spLocks noGrp="1"/>
+          </p:cNvSpPr>
+          <p:nvPr>
+            <p:ph idx="1"/>
+          </p:nvPr>
+        </p:nvSpPr>
+        <p:spPr/>
+        <p:txBody>
+          <a:bodyPr/>
+          <a:lstStyle/>
+          <a:p>
+            <a:r>
+              <a:rPr lang="en-US" dirty="0"/>
+              <a:t>After node recovers from failure</a:t>
+            </a:r>
+          </a:p>
+          <a:p>
+            <a:pPr lvl="1"/>
+            <a:r>
+              <a:rPr lang="en-US" dirty="0"/>
+              <a:t>Waiting for commit or abort decision from others is ok Unless all nodes fail </a:t>
+            </a:r>
+          </a:p>
+          <a:p>
+            <a:endParaRPr lang="en-US" dirty="0" smtClean="0"/>
+          </a:p>
+          <a:p>
+            <a:r>
+              <a:rPr lang="en-US" altLang="zh-CN" dirty="0" smtClean="0"/>
+              <a:t>Two</a:t>
+            </a:r>
+            <a:r>
+              <a:rPr lang="zh-CN" altLang="en-US" dirty="0" smtClean="0"/>
+              <a:t> </a:t>
+            </a:r>
+            <a:r>
+              <a:rPr lang="en-US" altLang="zh-CN" dirty="0" smtClean="0"/>
+              <a:t>Solutions</a:t>
+            </a:r>
+          </a:p>
+          <a:p>
+            <a:pPr lvl="1"/>
+            <a:r>
+              <a:rPr lang="en-US" dirty="0"/>
+              <a:t>A. Wait for all nodes to </a:t>
+            </a:r>
+            <a:r>
+              <a:rPr lang="en-US" dirty="0">
+                <a:solidFill>
+                  <a:srgbClr val="FF0000"/>
+                </a:solidFill>
+              </a:rPr>
+              <a:t>recover </a:t>
+            </a:r>
+            <a:endParaRPr lang="en-US" altLang="zh-CN" dirty="0" smtClean="0">
+              <a:solidFill>
+                <a:srgbClr val="FF0000"/>
+              </a:solidFill>
+            </a:endParaRPr>
+          </a:p>
+          <a:p>
+            <a:pPr lvl="1"/>
+            <a:r>
+              <a:rPr lang="en-US" dirty="0" smtClean="0"/>
+              <a:t>B</a:t>
+            </a:r>
+            <a:r>
+              <a:rPr lang="en-US" dirty="0"/>
+              <a:t>. Perform </a:t>
+            </a:r>
+            <a:r>
+              <a:rPr lang="en-US" dirty="0">
+                <a:solidFill>
+                  <a:srgbClr val="FF0000"/>
+                </a:solidFill>
+              </a:rPr>
+              <a:t>majority commit</a:t>
+            </a:r>
+          </a:p>
+        </p:txBody>
+      </p:sp>
+      <p:sp>
+        <p:nvSpPr>
+          <p:cNvPr id="4" name="Footer Placeholder 3"/>
+          <p:cNvSpPr>
+            <a:spLocks noGrp="1"/>
+          </p:cNvSpPr>
+          <p:nvPr>
+            <p:ph type="ftr" sz="quarter" idx="11"/>
+          </p:nvPr>
+        </p:nvSpPr>
+        <p:spPr/>
+        <p:txBody>
+          <a:bodyPr/>
+          <a:lstStyle/>
+          <a:p>
+            <a:pPr>
+              <a:defRPr/>
+            </a:pPr>
+            <a:r>
+              <a:rPr lang="en-US" altLang="zh-CN" smtClean="0"/>
+              <a:t>Distributed Database Systems</a:t>
+            </a:r>
+            <a:endParaRPr lang="zh-CN" altLang="en-US"/>
+          </a:p>
+        </p:txBody>
+      </p:sp>
+      <p:sp>
+        <p:nvSpPr>
+          <p:cNvPr id="5" name="Slide Number Placeholder 4"/>
+          <p:cNvSpPr>
+            <a:spLocks noGrp="1"/>
+          </p:cNvSpPr>
+          <p:nvPr>
+            <p:ph type="sldNum" sz="quarter" idx="12"/>
+          </p:nvPr>
+        </p:nvSpPr>
+        <p:spPr/>
+        <p:txBody>
+          <a:bodyPr/>
+          <a:lstStyle/>
+          <a:p>
+            <a:pPr>
+              <a:defRPr/>
+            </a:pPr>
+            <a:fld id="{07A5CAEE-885A-5D41-93DF-9DC29A9FE4F0}" type="slidenum">
+              <a:rPr lang="zh-CN" altLang="en-US" smtClean="0"/>
+              <a:pPr>
+                <a:defRPr/>
+              </a:pPr>
+              <a:t>13</a:t>
+            </a:fld>
+            <a:endParaRPr lang="zh-CN" altLang="en-US"/>
+          </a:p>
+        </p:txBody>
+      </p:sp>
+    </p:spTree>
+    <p:extLst>
+      <p:ext uri="{BB962C8B-B14F-4D97-AF65-F5344CB8AC3E}">
+        <p14:creationId xmlns:p14="http://schemas.microsoft.com/office/powerpoint/2010/main" val="1028448964"/>
       </p:ext>
     </p:extLst>
   </p:cSld>
@@ -7211,71 +7239,51 @@
           <a:lstStyle/>
           <a:p>
             <a:r>
+              <a:rPr lang="en-US" b="1" dirty="0"/>
+              <a:t>A. Wait for all nodes to </a:t>
+            </a:r>
+            <a:r>
+              <a:rPr lang="en-US" b="1" dirty="0" smtClean="0"/>
+              <a:t>recover</a:t>
+            </a:r>
+          </a:p>
+          <a:p>
+            <a:endParaRPr lang="en-US" dirty="0"/>
+          </a:p>
+          <a:p>
+            <a:r>
               <a:rPr lang="en-US" dirty="0"/>
-              <a:t>After node recovers from failure</a:t>
+              <a:t>Recovering node waits for </a:t>
+            </a:r>
+            <a:r>
+              <a:rPr lang="en-US" dirty="0" smtClean="0"/>
+              <a:t>either</a:t>
             </a:r>
           </a:p>
           <a:p>
             <a:pPr lvl="1"/>
             <a:r>
+              <a:rPr lang="en-US" dirty="0" smtClean="0"/>
+              <a:t>1</a:t>
+            </a:r>
+            <a:r>
               <a:rPr lang="en-US" dirty="0"/>
-              <a:t>Waiting for commit or abort decision from others is ok Unless all nodes fail </a:t>
-            </a:r>
-          </a:p>
-          <a:p>
-            <a:endParaRPr lang="en-US" dirty="0" smtClean="0"/>
-          </a:p>
-          <a:p>
-            <a:r>
-              <a:rPr lang="en-US" altLang="zh-CN" dirty="0" smtClean="0"/>
-              <a:t>Two</a:t>
-            </a:r>
-            <a:r>
-              <a:rPr lang="zh-CN" altLang="en-US" dirty="0" smtClean="0"/>
-              <a:t> </a:t>
-            </a:r>
-            <a:r>
-              <a:rPr lang="en-US" altLang="zh-CN" dirty="0" smtClean="0"/>
-              <a:t>Solutions</a:t>
+              <a:t>. Commit or abort decision from another node </a:t>
+            </a:r>
+            <a:r>
+              <a:rPr lang="en-US" dirty="0" smtClean="0"/>
+              <a:t>or</a:t>
             </a:r>
           </a:p>
           <a:p>
             <a:pPr lvl="1"/>
             <a:r>
+              <a:rPr lang="en-US" dirty="0" smtClean="0"/>
+              <a:t>2</a:t>
+            </a:r>
+            <a:r>
               <a:rPr lang="en-US" dirty="0"/>
-              <a:t>A. Wait for all nodes to </a:t>
-            </a:r>
-            <a:r>
-              <a:rPr lang="en-US" dirty="0">
-                <a:solidFill>
-                  <a:srgbClr val="FF0000"/>
-                </a:solidFill>
-              </a:rPr>
-              <a:t>recover </a:t>
-            </a:r>
-            <a:endParaRPr lang="en-US" altLang="zh-CN" dirty="0" smtClean="0">
-              <a:solidFill>
-                <a:srgbClr val="FF0000"/>
-              </a:solidFill>
-            </a:endParaRPr>
-          </a:p>
-          <a:p>
-            <a:pPr lvl="1"/>
-            <a:r>
-              <a:rPr lang="en-US" dirty="0" smtClean="0"/>
-              <a:t>B</a:t>
-            </a:r>
-            <a:r>
-              <a:rPr lang="en-US" dirty="0"/>
-              <a:t>. Perform </a:t>
-            </a:r>
-            <a:r>
-              <a:rPr lang="en-US" dirty="0">
-                <a:solidFill>
-                  <a:srgbClr val="FF0000"/>
-                </a:solidFill>
-              </a:rPr>
-              <a:t>majority commit</a:t>
+              <a:t>. If all other nodes are up and recovering then 3PC can continue</a:t>
             </a:r>
           </a:p>
         </p:txBody>
@@ -7338,7 +7346,7 @@
     </p:spTree>
     <p:extLst>
       <p:ext uri="{BB962C8B-B14F-4D97-AF65-F5344CB8AC3E}">
-        <p14:creationId xmlns:p14="http://schemas.microsoft.com/office/powerpoint/2010/main" val="1028448964"/>
+        <p14:creationId xmlns:p14="http://schemas.microsoft.com/office/powerpoint/2010/main" val="2026343285"/>
       </p:ext>
     </p:extLst>
   </p:cSld>
@@ -7404,57 +7412,137 @@
             <p:ph idx="1"/>
           </p:nvPr>
         </p:nvSpPr>
-        <p:spPr/>
+        <p:spPr>
+          <a:xfrm>
+            <a:off x="1259632" y="1447800"/>
+            <a:ext cx="7674818" cy="4800600"/>
+          </a:xfrm>
+        </p:spPr>
         <p:txBody>
           <a:bodyPr/>
           <a:lstStyle/>
           <a:p>
             <a:r>
               <a:rPr lang="en-US" b="1" dirty="0"/>
-              <a:t>A. Wait for all nodes to </a:t>
+              <a:t>B. Perform majority </a:t>
             </a:r>
             <a:r>
               <a:rPr lang="en-US" b="1" dirty="0" smtClean="0"/>
-              <a:t>recover</a:t>
-            </a:r>
-          </a:p>
-          <a:p>
-            <a:endParaRPr lang="en-US" dirty="0"/>
-          </a:p>
-          <a:p>
+              <a:t>commit</a:t>
+            </a:r>
+          </a:p>
+          <a:p>
+            <a:r>
+              <a:rPr lang="en-US" altLang="zh-CN" dirty="0" smtClean="0"/>
+              <a:t>Basic</a:t>
+            </a:r>
+            <a:r>
+              <a:rPr lang="zh-CN" altLang="en-US" dirty="0" smtClean="0"/>
+              <a:t> </a:t>
+            </a:r>
+            <a:r>
+              <a:rPr lang="en-US" altLang="zh-CN" dirty="0" smtClean="0"/>
+              <a:t>Idea</a:t>
+            </a:r>
+          </a:p>
+          <a:p>
+            <a:pPr lvl="1"/>
             <a:r>
               <a:rPr lang="en-US" dirty="0"/>
-              <a:t>Recovering node waits for </a:t>
+              <a:t>Want a gang of </a:t>
+            </a:r>
+            <a:r>
+              <a:rPr lang="en-US" dirty="0">
+                <a:solidFill>
+                  <a:srgbClr val="FF0000"/>
+                </a:solidFill>
+              </a:rPr>
+              <a:t>failed but recovered nodes </a:t>
+            </a:r>
+            <a:r>
+              <a:rPr lang="en-US" dirty="0"/>
+              <a:t>to be able to terminate the transaction, even when the rest are still </a:t>
             </a:r>
             <a:r>
               <a:rPr lang="en-US" dirty="0" smtClean="0"/>
-              <a:t>either</a:t>
+              <a:t>failing</a:t>
             </a:r>
           </a:p>
           <a:p>
             <a:pPr lvl="1"/>
             <a:r>
+              <a:rPr lang="en-US" dirty="0"/>
+              <a:t>Nodes are assigned votes, total is </a:t>
+            </a:r>
+            <a:r>
               <a:rPr lang="en-US" dirty="0" smtClean="0"/>
-              <a:t>1</a:t>
-            </a:r>
+              <a:t>V</a:t>
+            </a:r>
+          </a:p>
+          <a:p>
+            <a:pPr lvl="2"/>
+            <a:r>
+              <a:rPr lang="en-US" altLang="zh-CN" dirty="0" smtClean="0"/>
+              <a:t>Majority</a:t>
+            </a:r>
+            <a:r>
+              <a:rPr lang="zh-CN" altLang="en-US" dirty="0" smtClean="0"/>
+              <a:t> </a:t>
+            </a:r>
+            <a:r>
+              <a:rPr lang="en-US" altLang="zh-CN" dirty="0" smtClean="0"/>
+              <a:t>is</a:t>
+            </a:r>
+            <a:r>
+              <a:rPr lang="zh-CN" altLang="en-US" dirty="0" smtClean="0"/>
+              <a:t> </a:t>
+            </a:r>
+            <a:r>
+              <a:rPr lang="en-US" altLang="zh-CN" dirty="0"/>
+              <a:t>M ≥ round((V + 1) / 2</a:t>
+            </a:r>
+            <a:r>
+              <a:rPr lang="en-US" altLang="zh-CN" dirty="0" smtClean="0"/>
+              <a:t>)</a:t>
+            </a:r>
+          </a:p>
+          <a:p>
+            <a:pPr lvl="1"/>
             <a:r>
               <a:rPr lang="en-US" dirty="0"/>
-              <a:t>. Commit or abort decision from another node </a:t>
+              <a:t>To make state transitions, coordinator requires messages </a:t>
             </a:r>
             <a:r>
               <a:rPr lang="en-US" dirty="0" smtClean="0"/>
-              <a:t>or</a:t>
-            </a:r>
-          </a:p>
-          <a:p>
-            <a:pPr lvl="1"/>
-            <a:r>
-              <a:rPr lang="en-US" dirty="0" smtClean="0"/>
-              <a:t>2</a:t>
-            </a:r>
-            <a:r>
-              <a:rPr lang="en-US" dirty="0"/>
-              <a:t>. If all other nodes are up and recovering then 3PC can continue</a:t>
+              <a:t>from</a:t>
+            </a:r>
+            <a:r>
+              <a:rPr lang="zh-CN" altLang="en-US" dirty="0" smtClean="0"/>
+              <a:t> </a:t>
+            </a:r>
+            <a:r>
+              <a:rPr lang="en-US" altLang="zh-CN" dirty="0" smtClean="0">
+                <a:solidFill>
+                  <a:srgbClr val="FF0000"/>
+                </a:solidFill>
+              </a:rPr>
+              <a:t>nodes</a:t>
+            </a:r>
+            <a:r>
+              <a:rPr lang="en-US" dirty="0" smtClean="0">
+                <a:solidFill>
+                  <a:srgbClr val="FF0000"/>
+                </a:solidFill>
+              </a:rPr>
+              <a:t> </a:t>
+            </a:r>
+            <a:r>
+              <a:rPr lang="en-US" dirty="0">
+                <a:solidFill>
+                  <a:srgbClr val="FF0000"/>
+                </a:solidFill>
+              </a:rPr>
+              <a:t>with a majority of votes</a:t>
             </a:r>
           </a:p>
         </p:txBody>
@@ -7517,7 +7605,7 @@
     </p:spTree>
     <p:extLst>
       <p:ext uri="{BB962C8B-B14F-4D97-AF65-F5344CB8AC3E}">
-        <p14:creationId xmlns:p14="http://schemas.microsoft.com/office/powerpoint/2010/main" val="2026343285"/>
+        <p14:creationId xmlns:p14="http://schemas.microsoft.com/office/powerpoint/2010/main" val="55437065"/>
       </p:ext>
     </p:extLst>
   </p:cSld>
@@ -7568,7 +7656,7 @@
           <a:p>
             <a:r>
               <a:rPr lang="en-US" dirty="0"/>
-              <a:t>3PC Node Recovery</a:t>
+              <a:t>3PC with Majority Votes</a:t>
             </a:r>
           </a:p>
         </p:txBody>
@@ -7585,8 +7673,8 @@
         </p:nvSpPr>
         <p:spPr>
           <a:xfrm>
-            <a:off x="1259632" y="1447800"/>
-            <a:ext cx="7674818" cy="4800600"/>
+            <a:off x="1435100" y="3609875"/>
+            <a:ext cx="7499350" cy="2638525"/>
           </a:xfrm>
         </p:spPr>
         <p:txBody>
@@ -7594,126 +7682,37 @@
           <a:lstStyle/>
           <a:p>
             <a:r>
-              <a:rPr lang="en-US" b="1" dirty="0"/>
-              <a:t>B. Perform majority </a:t>
-            </a:r>
-            <a:r>
-              <a:rPr lang="en-US" b="1" dirty="0" smtClean="0"/>
-              <a:t>commit</a:t>
-            </a:r>
-          </a:p>
-          <a:p>
-            <a:r>
-              <a:rPr lang="en-US" altLang="zh-CN" dirty="0" smtClean="0"/>
-              <a:t>Basic</a:t>
-            </a:r>
-            <a:r>
-              <a:rPr lang="zh-CN" altLang="en-US" dirty="0" smtClean="0"/>
-              <a:t> </a:t>
-            </a:r>
-            <a:r>
-              <a:rPr lang="en-US" altLang="zh-CN" dirty="0" smtClean="0"/>
-              <a:t>Idea</a:t>
-            </a:r>
-          </a:p>
-          <a:p>
-            <a:pPr lvl="1"/>
-            <a:r>
-              <a:rPr lang="en-US" dirty="0"/>
-              <a:t>Want a gang of </a:t>
-            </a:r>
-            <a:r>
-              <a:rPr lang="en-US" dirty="0">
-                <a:solidFill>
-                  <a:srgbClr val="FF0000"/>
-                </a:solidFill>
-              </a:rPr>
-              <a:t>failed but recovered nodes </a:t>
-            </a:r>
-            <a:r>
-              <a:rPr lang="en-US" dirty="0"/>
-              <a:t>to be able to terminate the transaction, even when the rest are still </a:t>
-            </a:r>
-            <a:r>
-              <a:rPr lang="en-US" dirty="0" smtClean="0"/>
-              <a:t>failing</a:t>
-            </a:r>
-          </a:p>
-          <a:p>
-            <a:pPr lvl="1"/>
-            <a:r>
-              <a:rPr lang="en-US" dirty="0"/>
-              <a:t>Nodes are assigned votes, total is </a:t>
-            </a:r>
-            <a:r>
-              <a:rPr lang="en-US" dirty="0" smtClean="0"/>
-              <a:t>V</a:t>
-            </a:r>
-          </a:p>
-          <a:p>
-            <a:pPr lvl="2"/>
-            <a:r>
-              <a:rPr lang="en-US" altLang="zh-CN" dirty="0" smtClean="0"/>
-              <a:t>Majority</a:t>
-            </a:r>
-            <a:r>
-              <a:rPr lang="zh-CN" altLang="en-US" dirty="0" smtClean="0"/>
-              <a:t> </a:t>
-            </a:r>
-            <a:r>
-              <a:rPr lang="en-US" altLang="zh-CN" dirty="0" smtClean="0"/>
-              <a:t>is</a:t>
-            </a:r>
-            <a:r>
-              <a:rPr lang="zh-CN" altLang="en-US" dirty="0" smtClean="0"/>
-              <a:t> </a:t>
-            </a:r>
-            <a:r>
-              <a:rPr lang="en-US" altLang="zh-CN" dirty="0"/>
-              <a:t>M ≥ round((V + 1) / 2</a:t>
-            </a:r>
-            <a:r>
-              <a:rPr lang="en-US" altLang="zh-CN" dirty="0" smtClean="0"/>
-              <a:t>)</a:t>
-            </a:r>
-          </a:p>
-          <a:p>
-            <a:pPr lvl="1"/>
-            <a:r>
-              <a:rPr lang="en-US" dirty="0"/>
-              <a:t>To make state transitions, coordinator requires messages </a:t>
-            </a:r>
-            <a:r>
-              <a:rPr lang="en-US" dirty="0" smtClean="0"/>
-              <a:t>from</a:t>
-            </a:r>
-            <a:r>
-              <a:rPr lang="zh-CN" altLang="en-US" dirty="0" smtClean="0"/>
-              <a:t> </a:t>
-            </a:r>
-            <a:r>
-              <a:rPr lang="en-US" altLang="zh-CN" dirty="0" smtClean="0">
-                <a:solidFill>
-                  <a:srgbClr val="FF0000"/>
-                </a:solidFill>
-              </a:rPr>
-              <a:t>nodes</a:t>
-            </a:r>
-            <a:r>
-              <a:rPr lang="en-US" dirty="0" smtClean="0">
-                <a:solidFill>
-                  <a:srgbClr val="FF0000"/>
-                </a:solidFill>
-              </a:rPr>
-              <a:t> </a:t>
-            </a:r>
-            <a:r>
-              <a:rPr lang="en-US" dirty="0">
-                <a:solidFill>
-                  <a:srgbClr val="FF0000"/>
-                </a:solidFill>
-              </a:rPr>
-              <a:t>with a majority of votes</a:t>
+              <a:rPr lang="en-US" sz="2400" dirty="0"/>
+              <a:t>Nodes P2, P3, P4 enter W state and </a:t>
+            </a:r>
+            <a:r>
+              <a:rPr lang="en-US" sz="2400" dirty="0" smtClean="0"/>
+              <a:t>fail</a:t>
+            </a:r>
+          </a:p>
+          <a:p>
+            <a:r>
+              <a:rPr lang="en-US" sz="2400" dirty="0" smtClean="0"/>
+              <a:t>When </a:t>
+            </a:r>
+            <a:r>
+              <a:rPr lang="en-US" sz="2400" dirty="0"/>
+              <a:t>they recover, coordinator and P1 are down </a:t>
+            </a:r>
+            <a:endParaRPr lang="en-US" sz="2400" dirty="0" smtClean="0"/>
+          </a:p>
+          <a:p>
+            <a:r>
+              <a:rPr lang="en-US" sz="2400" dirty="0" smtClean="0"/>
+              <a:t>Each </a:t>
+            </a:r>
+            <a:r>
+              <a:rPr lang="en-US" sz="2400" dirty="0"/>
+              <a:t>node has one vote, V = 5, M ≥ </a:t>
+            </a:r>
+            <a:r>
+              <a:rPr lang="en-US" sz="2400" dirty="0" smtClean="0"/>
+              <a:t>3</a:t>
             </a:r>
           </a:p>
         </p:txBody>
@@ -7773,10 +7772,77 @@
           </a:p>
         </p:txBody>
       </p:sp>
+      <p:pic>
+        <p:nvPicPr>
+          <p:cNvPr id="6" name="Picture 5"/>
+          <p:cNvPicPr>
+            <a:picLocks noChangeAspect="1"/>
+          </p:cNvPicPr>
+          <p:nvPr/>
+        </p:nvPicPr>
+        <p:blipFill>
+          <a:blip r:embed="rId2">
+            <a:extLst>
+              <a:ext uri="{28A0092B-C50C-407E-A947-70E740481C1C}">
+                <a14:useLocalDpi xmlns:a14="http://schemas.microsoft.com/office/drawing/2010/main" val="0"/>
+              </a:ext>
+            </a:extLst>
+          </a:blip>
+          <a:stretch>
+            <a:fillRect/>
+          </a:stretch>
+        </p:blipFill>
+        <p:spPr>
+          <a:xfrm>
+            <a:off x="3352800" y="1412776"/>
+            <a:ext cx="5257800" cy="2197100"/>
+          </a:xfrm>
+          <a:prstGeom prst="rect">
+            <a:avLst/>
+          </a:prstGeom>
+        </p:spPr>
+      </p:pic>
+      <p:sp>
+        <p:nvSpPr>
+          <p:cNvPr id="7" name="Rectangle 6"/>
+          <p:cNvSpPr/>
+          <p:nvPr/>
+        </p:nvSpPr>
+        <p:spPr>
+          <a:xfrm>
+            <a:off x="1435100" y="2282924"/>
+            <a:ext cx="1707519" cy="461665"/>
+          </a:xfrm>
+          <a:prstGeom prst="rect">
+            <a:avLst/>
+          </a:prstGeom>
+        </p:spPr>
+        <p:txBody>
+          <a:bodyPr wrap="none">
+            <a:spAutoFit/>
+          </a:bodyPr>
+          <a:lstStyle/>
+          <a:p>
+            <a:r>
+              <a:rPr lang="en-US" altLang="zh-CN" sz="2400" b="1" dirty="0" smtClean="0"/>
+              <a:t>Example</a:t>
+            </a:r>
+            <a:r>
+              <a:rPr lang="zh-CN" altLang="en-US" sz="2400" b="1" dirty="0" smtClean="0"/>
+              <a:t> </a:t>
+            </a:r>
+            <a:r>
+              <a:rPr lang="en-US" altLang="zh-CN" sz="2400" b="1" dirty="0" smtClean="0"/>
+              <a:t>1</a:t>
+            </a:r>
+            <a:endParaRPr lang="en-US" sz="2400" b="1" dirty="0"/>
+          </a:p>
+        </p:txBody>
+      </p:sp>
     </p:spTree>
     <p:extLst>
       <p:ext uri="{BB962C8B-B14F-4D97-AF65-F5344CB8AC3E}">
-        <p14:creationId xmlns:p14="http://schemas.microsoft.com/office/powerpoint/2010/main" val="55437065"/>
+        <p14:creationId xmlns:p14="http://schemas.microsoft.com/office/powerpoint/2010/main" val="1490601268"/>
       </p:ext>
     </p:extLst>
   </p:cSld>
@@ -7886,6 +7952,16 @@
               <a:t>3</a:t>
             </a:r>
           </a:p>
+          <a:p>
+            <a:r>
+              <a:rPr lang="en-US" sz="2400" dirty="0">
+                <a:solidFill>
+                  <a:srgbClr val="FF0000"/>
+                </a:solidFill>
+              </a:rPr>
+              <a:t>Since P2, P3, P4 have majority, they know coordinator could not have gone to P without at least one of their votes ⟹ T can be aborted </a:t>
+            </a:r>
+          </a:p>
         </p:txBody>
       </p:sp>
       <p:sp>
@@ -8013,7 +8089,7 @@
     </p:spTree>
     <p:extLst>
       <p:ext uri="{BB962C8B-B14F-4D97-AF65-F5344CB8AC3E}">
-        <p14:creationId xmlns:p14="http://schemas.microsoft.com/office/powerpoint/2010/main" val="1490601268"/>
+        <p14:creationId xmlns:p14="http://schemas.microsoft.com/office/powerpoint/2010/main" val="1746660672"/>
       </p:ext>
     </p:extLst>
   </p:cSld>
@@ -8091,12 +8167,9 @@
           <a:p>
             <a:r>
               <a:rPr lang="en-US" sz="2400" dirty="0"/>
-              <a:t>Nodes P2, P3, P4 enter W state and </a:t>
-            </a:r>
-            <a:r>
-              <a:rPr lang="en-US" sz="2400" dirty="0" smtClean="0"/>
-              <a:t>fail</a:t>
-            </a:r>
+              <a:t>Nodes P3 and P4 enter P and W state, then fail </a:t>
+            </a:r>
+            <a:endParaRPr lang="en-US" sz="2400" dirty="0" smtClean="0"/>
           </a:p>
           <a:p>
             <a:r>
@@ -8105,9 +8178,8 @@
             </a:r>
             <a:r>
               <a:rPr lang="en-US" sz="2400" dirty="0"/>
-              <a:t>they recover, coordinator and P1 are down </a:t>
-            </a:r>
-            <a:endParaRPr lang="en-US" sz="2400" dirty="0" smtClean="0"/>
+              <a:t>they recover, coordinator, P1 and P2 are down </a:t>
+            </a:r>
           </a:p>
           <a:p>
             <a:r>
@@ -8116,22 +8188,9 @@
             </a:r>
             <a:r>
               <a:rPr lang="en-US" sz="2400" dirty="0"/>
-              <a:t>node has one vote, V = 5, M ≥ </a:t>
-            </a:r>
-            <a:r>
-              <a:rPr lang="en-US" sz="2400" dirty="0" smtClean="0"/>
-              <a:t>3</a:t>
-            </a:r>
-          </a:p>
-          <a:p>
-            <a:r>
-              <a:rPr lang="en-US" sz="2400" dirty="0">
-                <a:solidFill>
-                  <a:srgbClr val="FF0000"/>
-                </a:solidFill>
-              </a:rPr>
-              <a:t>Since P2, P3, P4 have majority, they know coordinator could not have gone to P without at least one of their votes ⟹ T can be aborted </a:t>
-            </a:r>
+              <a:t>node has one vote, V = 5, M ≥ 3</a:t>
+            </a:r>
+            <a:endParaRPr lang="en-US" sz="2400" dirty="0" smtClean="0"/>
           </a:p>
         </p:txBody>
       </p:sp>
@@ -8185,236 +8244,6 @@
                 <a:defRPr/>
               </a:pPr>
               <a:t>18</a:t>
-            </a:fld>
-            <a:endParaRPr lang="zh-CN" altLang="en-US"/>
-          </a:p>
-        </p:txBody>
-      </p:sp>
-      <p:pic>
-        <p:nvPicPr>
-          <p:cNvPr id="6" name="Picture 5"/>
-          <p:cNvPicPr>
-            <a:picLocks noChangeAspect="1"/>
-          </p:cNvPicPr>
-          <p:nvPr/>
-        </p:nvPicPr>
-        <p:blipFill>
-          <a:blip r:embed="rId2">
-            <a:extLst>
-              <a:ext uri="{28A0092B-C50C-407E-A947-70E740481C1C}">
-                <a14:useLocalDpi xmlns:a14="http://schemas.microsoft.com/office/drawing/2010/main" val="0"/>
-              </a:ext>
-            </a:extLst>
-          </a:blip>
-          <a:stretch>
-            <a:fillRect/>
-          </a:stretch>
-        </p:blipFill>
-        <p:spPr>
-          <a:xfrm>
-            <a:off x="3352800" y="1412776"/>
-            <a:ext cx="5257800" cy="2197100"/>
-          </a:xfrm>
-          <a:prstGeom prst="rect">
-            <a:avLst/>
-          </a:prstGeom>
-        </p:spPr>
-      </p:pic>
-      <p:sp>
-        <p:nvSpPr>
-          <p:cNvPr id="7" name="Rectangle 6"/>
-          <p:cNvSpPr/>
-          <p:nvPr/>
-        </p:nvSpPr>
-        <p:spPr>
-          <a:xfrm>
-            <a:off x="1435100" y="2282924"/>
-            <a:ext cx="1707519" cy="461665"/>
-          </a:xfrm>
-          <a:prstGeom prst="rect">
-            <a:avLst/>
-          </a:prstGeom>
-        </p:spPr>
-        <p:txBody>
-          <a:bodyPr wrap="none">
-            <a:spAutoFit/>
-          </a:bodyPr>
-          <a:lstStyle/>
-          <a:p>
-            <a:r>
-              <a:rPr lang="en-US" altLang="zh-CN" sz="2400" b="1" dirty="0" smtClean="0"/>
-              <a:t>Example</a:t>
-            </a:r>
-            <a:r>
-              <a:rPr lang="zh-CN" altLang="en-US" sz="2400" b="1" dirty="0" smtClean="0"/>
-              <a:t> </a:t>
-            </a:r>
-            <a:r>
-              <a:rPr lang="en-US" altLang="zh-CN" sz="2400" b="1" dirty="0" smtClean="0"/>
-              <a:t>1</a:t>
-            </a:r>
-            <a:endParaRPr lang="en-US" sz="2400" b="1" dirty="0"/>
-          </a:p>
-        </p:txBody>
-      </p:sp>
-    </p:spTree>
-    <p:extLst>
-      <p:ext uri="{BB962C8B-B14F-4D97-AF65-F5344CB8AC3E}">
-        <p14:creationId xmlns:p14="http://schemas.microsoft.com/office/powerpoint/2010/main" val="1746660672"/>
-      </p:ext>
-    </p:extLst>
-  </p:cSld>
-  <p:clrMapOvr>
-    <a:masterClrMapping/>
-  </p:clrMapOvr>
-  <p:timing>
-    <p:tnLst>
-      <p:par>
-        <p:cTn id="1" dur="indefinite" restart="never" nodeType="tmRoot"/>
-      </p:par>
-    </p:tnLst>
-  </p:timing>
-</p:sld>
-</file>
-
-<file path=ppt/slides/slide19.xml><?xml version="1.0" encoding="utf-8"?>
-<p:sld xmlns:a="http://schemas.openxmlformats.org/drawingml/2006/main" xmlns:r="http://schemas.openxmlformats.org/officeDocument/2006/relationships" xmlns:p="http://schemas.openxmlformats.org/presentationml/2006/main">
-  <p:cSld>
-    <p:spTree>
-      <p:nvGrpSpPr>
-        <p:cNvPr id="1" name=""/>
-        <p:cNvGrpSpPr/>
-        <p:nvPr/>
-      </p:nvGrpSpPr>
-      <p:grpSpPr>
-        <a:xfrm>
-          <a:off x="0" y="0"/>
-          <a:ext cx="0" cy="0"/>
-          <a:chOff x="0" y="0"/>
-          <a:chExt cx="0" cy="0"/>
-        </a:xfrm>
-      </p:grpSpPr>
-      <p:sp>
-        <p:nvSpPr>
-          <p:cNvPr id="2" name="Title 1"/>
-          <p:cNvSpPr>
-            <a:spLocks noGrp="1"/>
-          </p:cNvSpPr>
-          <p:nvPr>
-            <p:ph type="title"/>
-          </p:nvPr>
-        </p:nvSpPr>
-        <p:spPr/>
-        <p:txBody>
-          <a:bodyPr/>
-          <a:lstStyle/>
-          <a:p>
-            <a:r>
-              <a:rPr lang="en-US" dirty="0"/>
-              <a:t>3PC with Majority Votes</a:t>
-            </a:r>
-          </a:p>
-        </p:txBody>
-      </p:sp>
-      <p:sp>
-        <p:nvSpPr>
-          <p:cNvPr id="3" name="Content Placeholder 2"/>
-          <p:cNvSpPr>
-            <a:spLocks noGrp="1"/>
-          </p:cNvSpPr>
-          <p:nvPr>
-            <p:ph idx="1"/>
-          </p:nvPr>
-        </p:nvSpPr>
-        <p:spPr>
-          <a:xfrm>
-            <a:off x="1435100" y="3609875"/>
-            <a:ext cx="7499350" cy="2638525"/>
-          </a:xfrm>
-        </p:spPr>
-        <p:txBody>
-          <a:bodyPr/>
-          <a:lstStyle/>
-          <a:p>
-            <a:r>
-              <a:rPr lang="en-US" sz="2400" dirty="0"/>
-              <a:t>Nodes P3 and P4 enter P and W state, then fail </a:t>
-            </a:r>
-            <a:endParaRPr lang="en-US" sz="2400" dirty="0" smtClean="0"/>
-          </a:p>
-          <a:p>
-            <a:r>
-              <a:rPr lang="en-US" sz="2400" dirty="0" smtClean="0"/>
-              <a:t>When </a:t>
-            </a:r>
-            <a:r>
-              <a:rPr lang="en-US" sz="2400" dirty="0"/>
-              <a:t>they recover, coordinator, P1 and P2 are down </a:t>
-            </a:r>
-          </a:p>
-          <a:p>
-            <a:r>
-              <a:rPr lang="en-US" sz="2400" dirty="0" smtClean="0"/>
-              <a:t>Each </a:t>
-            </a:r>
-            <a:r>
-              <a:rPr lang="en-US" sz="2400" dirty="0"/>
-              <a:t>node has one vote, V = 5, M ≥ 3</a:t>
-            </a:r>
-            <a:endParaRPr lang="en-US" sz="2400" dirty="0" smtClean="0"/>
-          </a:p>
-        </p:txBody>
-      </p:sp>
-      <p:sp>
-        <p:nvSpPr>
-          <p:cNvPr id="4" name="Footer Placeholder 3"/>
-          <p:cNvSpPr>
-            <a:spLocks noGrp="1"/>
-          </p:cNvSpPr>
-          <p:nvPr>
-            <p:ph type="ftr" sz="quarter" idx="11"/>
-          </p:nvPr>
-        </p:nvSpPr>
-        <p:spPr/>
-        <p:txBody>
-          <a:bodyPr/>
-          <a:lstStyle/>
-          <a:p>
-            <a:pPr>
-              <a:defRPr/>
-            </a:pPr>
-            <a:r>
-              <a:rPr lang="en-US" altLang="zh-CN" smtClean="0"/>
-              <a:t>Distributed Database Systems</a:t>
-            </a:r>
-            <a:endParaRPr lang="zh-CN" altLang="en-US"/>
-          </a:p>
-        </p:txBody>
-      </p:sp>
-      <p:sp>
-        <p:nvSpPr>
-          <p:cNvPr id="5" name="Slide Number Placeholder 4"/>
-          <p:cNvSpPr>
-            <a:spLocks noGrp="1"/>
-          </p:cNvSpPr>
-          <p:nvPr>
-            <p:ph type="sldNum" sz="quarter" idx="12"/>
-          </p:nvPr>
-        </p:nvSpPr>
-        <p:spPr/>
-        <p:txBody>
-          <a:bodyPr/>
-          <a:lstStyle/>
-          <a:p>
-            <a:pPr>
-              <a:defRPr/>
-            </a:pPr>
-            <a:fld id="{07A5CAEE-885A-5D41-93DF-9DC29A9FE4F0}" type="slidenum">
-              <a:rPr lang="zh-CN" altLang="en-US" smtClean="0"/>
-              <a:pPr>
-                <a:defRPr/>
-              </a:pPr>
-              <a:t>19</a:t>
             </a:fld>
             <a:endParaRPr lang="zh-CN" altLang="en-US"/>
           </a:p>
@@ -8491,6 +8320,266 @@
     <p:extLst>
       <p:ext uri="{BB962C8B-B14F-4D97-AF65-F5344CB8AC3E}">
         <p14:creationId xmlns:p14="http://schemas.microsoft.com/office/powerpoint/2010/main" val="251704576"/>
+      </p:ext>
+    </p:extLst>
+  </p:cSld>
+  <p:clrMapOvr>
+    <a:masterClrMapping/>
+  </p:clrMapOvr>
+  <p:timing>
+    <p:tnLst>
+      <p:par>
+        <p:cTn id="1" dur="indefinite" restart="never" nodeType="tmRoot"/>
+      </p:par>
+    </p:tnLst>
+  </p:timing>
+</p:sld>
+</file>
+
+<file path=ppt/slides/slide19.xml><?xml version="1.0" encoding="utf-8"?>
+<p:sld xmlns:a="http://schemas.openxmlformats.org/drawingml/2006/main" xmlns:r="http://schemas.openxmlformats.org/officeDocument/2006/relationships" xmlns:p="http://schemas.openxmlformats.org/presentationml/2006/main">
+  <p:cSld>
+    <p:spTree>
+      <p:nvGrpSpPr>
+        <p:cNvPr id="1" name=""/>
+        <p:cNvGrpSpPr/>
+        <p:nvPr/>
+      </p:nvGrpSpPr>
+      <p:grpSpPr>
+        <a:xfrm>
+          <a:off x="0" y="0"/>
+          <a:ext cx="0" cy="0"/>
+          <a:chOff x="0" y="0"/>
+          <a:chExt cx="0" cy="0"/>
+        </a:xfrm>
+      </p:grpSpPr>
+      <p:sp>
+        <p:nvSpPr>
+          <p:cNvPr id="2" name="Title 1"/>
+          <p:cNvSpPr>
+            <a:spLocks noGrp="1"/>
+          </p:cNvSpPr>
+          <p:nvPr>
+            <p:ph type="title"/>
+          </p:nvPr>
+        </p:nvSpPr>
+        <p:spPr/>
+        <p:txBody>
+          <a:bodyPr/>
+          <a:lstStyle/>
+          <a:p>
+            <a:r>
+              <a:rPr lang="en-US" dirty="0"/>
+              <a:t>3PC with Majority Votes</a:t>
+            </a:r>
+          </a:p>
+        </p:txBody>
+      </p:sp>
+      <p:sp>
+        <p:nvSpPr>
+          <p:cNvPr id="3" name="Content Placeholder 2"/>
+          <p:cNvSpPr>
+            <a:spLocks noGrp="1"/>
+          </p:cNvSpPr>
+          <p:nvPr>
+            <p:ph idx="1"/>
+          </p:nvPr>
+        </p:nvSpPr>
+        <p:spPr>
+          <a:xfrm>
+            <a:off x="1435100" y="3609875"/>
+            <a:ext cx="7499350" cy="2638525"/>
+          </a:xfrm>
+        </p:spPr>
+        <p:txBody>
+          <a:bodyPr/>
+          <a:lstStyle/>
+          <a:p>
+            <a:r>
+              <a:rPr lang="en-US" sz="2400" dirty="0"/>
+              <a:t>Nodes P3 and P4 enter P and W state, then fail </a:t>
+            </a:r>
+            <a:endParaRPr lang="en-US" sz="2400" dirty="0" smtClean="0"/>
+          </a:p>
+          <a:p>
+            <a:r>
+              <a:rPr lang="en-US" sz="2400" dirty="0" smtClean="0"/>
+              <a:t>When </a:t>
+            </a:r>
+            <a:r>
+              <a:rPr lang="en-US" sz="2400" dirty="0"/>
+              <a:t>they recover, coordinator, P1 and P2 are down </a:t>
+            </a:r>
+          </a:p>
+          <a:p>
+            <a:r>
+              <a:rPr lang="en-US" sz="2400" dirty="0" smtClean="0"/>
+              <a:t>Each </a:t>
+            </a:r>
+            <a:r>
+              <a:rPr lang="en-US" sz="2400" dirty="0"/>
+              <a:t>node has one vote, V = 5, M ≥ </a:t>
+            </a:r>
+            <a:r>
+              <a:rPr lang="en-US" sz="2400" dirty="0" smtClean="0"/>
+              <a:t>3</a:t>
+            </a:r>
+          </a:p>
+          <a:p>
+            <a:endParaRPr lang="en-US" sz="2400" dirty="0"/>
+          </a:p>
+          <a:p>
+            <a:r>
+              <a:rPr lang="en-US" sz="2400" dirty="0">
+                <a:solidFill>
+                  <a:srgbClr val="FF0000"/>
+                </a:solidFill>
+              </a:rPr>
+              <a:t>Nodes P3 and P4 have insufficient votes ⟹ they do </a:t>
+            </a:r>
+            <a:r>
+              <a:rPr lang="en-US" sz="2400" dirty="0" smtClean="0">
+                <a:solidFill>
+                  <a:srgbClr val="FF0000"/>
+                </a:solidFill>
+              </a:rPr>
+              <a:t>nothing</a:t>
+            </a:r>
+          </a:p>
+          <a:p>
+            <a:endParaRPr lang="en-US" sz="2400" dirty="0"/>
+          </a:p>
+          <a:p>
+            <a:endParaRPr lang="en-US" sz="2400" dirty="0" smtClean="0"/>
+          </a:p>
+        </p:txBody>
+      </p:sp>
+      <p:sp>
+        <p:nvSpPr>
+          <p:cNvPr id="4" name="Footer Placeholder 3"/>
+          <p:cNvSpPr>
+            <a:spLocks noGrp="1"/>
+          </p:cNvSpPr>
+          <p:nvPr>
+            <p:ph type="ftr" sz="quarter" idx="11"/>
+          </p:nvPr>
+        </p:nvSpPr>
+        <p:spPr/>
+        <p:txBody>
+          <a:bodyPr/>
+          <a:lstStyle/>
+          <a:p>
+            <a:pPr>
+              <a:defRPr/>
+            </a:pPr>
+            <a:r>
+              <a:rPr lang="en-US" altLang="zh-CN" smtClean="0"/>
+              <a:t>Distributed Database Systems</a:t>
+            </a:r>
+            <a:endParaRPr lang="zh-CN" altLang="en-US"/>
+          </a:p>
+        </p:txBody>
+      </p:sp>
+      <p:sp>
+        <p:nvSpPr>
+          <p:cNvPr id="5" name="Slide Number Placeholder 4"/>
+          <p:cNvSpPr>
+            <a:spLocks noGrp="1"/>
+          </p:cNvSpPr>
+          <p:nvPr>
+            <p:ph type="sldNum" sz="quarter" idx="12"/>
+          </p:nvPr>
+        </p:nvSpPr>
+        <p:spPr/>
+        <p:txBody>
+          <a:bodyPr/>
+          <a:lstStyle/>
+          <a:p>
+            <a:pPr>
+              <a:defRPr/>
+            </a:pPr>
+            <a:fld id="{07A5CAEE-885A-5D41-93DF-9DC29A9FE4F0}" type="slidenum">
+              <a:rPr lang="zh-CN" altLang="en-US" smtClean="0"/>
+              <a:pPr>
+                <a:defRPr/>
+              </a:pPr>
+              <a:t>19</a:t>
+            </a:fld>
+            <a:endParaRPr lang="zh-CN" altLang="en-US"/>
+          </a:p>
+        </p:txBody>
+      </p:sp>
+      <p:sp>
+        <p:nvSpPr>
+          <p:cNvPr id="7" name="Rectangle 6"/>
+          <p:cNvSpPr/>
+          <p:nvPr/>
+        </p:nvSpPr>
+        <p:spPr>
+          <a:xfrm>
+            <a:off x="1435100" y="2282924"/>
+            <a:ext cx="1707519" cy="461665"/>
+          </a:xfrm>
+          <a:prstGeom prst="rect">
+            <a:avLst/>
+          </a:prstGeom>
+        </p:spPr>
+        <p:txBody>
+          <a:bodyPr wrap="none">
+            <a:spAutoFit/>
+          </a:bodyPr>
+          <a:lstStyle/>
+          <a:p>
+            <a:r>
+              <a:rPr lang="en-US" altLang="zh-CN" sz="2400" b="1" dirty="0" smtClean="0"/>
+              <a:t>Example</a:t>
+            </a:r>
+            <a:r>
+              <a:rPr lang="zh-CN" altLang="en-US" sz="2400" b="1" dirty="0" smtClean="0"/>
+              <a:t> </a:t>
+            </a:r>
+            <a:r>
+              <a:rPr lang="en-US" altLang="zh-CN" sz="2400" b="1" dirty="0" smtClean="0"/>
+              <a:t>2</a:t>
+            </a:r>
+            <a:endParaRPr lang="en-US" sz="2400" b="1" dirty="0"/>
+          </a:p>
+        </p:txBody>
+      </p:sp>
+      <p:pic>
+        <p:nvPicPr>
+          <p:cNvPr id="8" name="Picture 7"/>
+          <p:cNvPicPr>
+            <a:picLocks noChangeAspect="1"/>
+          </p:cNvPicPr>
+          <p:nvPr/>
+        </p:nvPicPr>
+        <p:blipFill>
+          <a:blip r:embed="rId2">
+            <a:extLst>
+              <a:ext uri="{28A0092B-C50C-407E-A947-70E740481C1C}">
+                <a14:useLocalDpi xmlns:a14="http://schemas.microsoft.com/office/drawing/2010/main" val="0"/>
+              </a:ext>
+            </a:extLst>
+          </a:blip>
+          <a:stretch>
+            <a:fillRect/>
+          </a:stretch>
+        </p:blipFill>
+        <p:spPr>
+          <a:xfrm>
+            <a:off x="3164599" y="1411224"/>
+            <a:ext cx="5486400" cy="2070100"/>
+          </a:xfrm>
+          <a:prstGeom prst="rect">
+            <a:avLst/>
+          </a:prstGeom>
+        </p:spPr>
+      </p:pic>
+    </p:spTree>
+    <p:extLst>
+      <p:ext uri="{BB962C8B-B14F-4D97-AF65-F5344CB8AC3E}">
+        <p14:creationId xmlns:p14="http://schemas.microsoft.com/office/powerpoint/2010/main" val="1419140394"/>
       </p:ext>
     </p:extLst>
   </p:cSld>
@@ -8914,85 +9003,34 @@
           </a:p>
         </p:txBody>
       </p:sp>
-      <p:sp>
-        <p:nvSpPr>
-          <p:cNvPr id="3" name="Content Placeholder 2"/>
-          <p:cNvSpPr>
-            <a:spLocks noGrp="1"/>
-          </p:cNvSpPr>
+      <p:pic>
+        <p:nvPicPr>
+          <p:cNvPr id="6" name="Content Placeholder 5"/>
+          <p:cNvPicPr>
+            <a:picLocks noGrp="1" noChangeAspect="1"/>
+          </p:cNvPicPr>
           <p:nvPr>
             <p:ph idx="1"/>
           </p:nvPr>
-        </p:nvSpPr>
+        </p:nvPicPr>
+        <p:blipFill rotWithShape="1">
+          <a:blip r:embed="rId2">
+            <a:extLst>
+              <a:ext uri="{28A0092B-C50C-407E-A947-70E740481C1C}">
+                <a14:useLocalDpi xmlns:a14="http://schemas.microsoft.com/office/drawing/2010/main" val="0"/>
+              </a:ext>
+            </a:extLst>
+          </a:blip>
+          <a:srcRect l="15719" t="11539"/>
+          <a:stretch/>
+        </p:blipFill>
         <p:spPr>
           <a:xfrm>
-            <a:off x="1435100" y="3609875"/>
-            <a:ext cx="7499350" cy="2638525"/>
+            <a:off x="1115616" y="1742503"/>
+            <a:ext cx="7911042" cy="3918745"/>
           </a:xfrm>
         </p:spPr>
-        <p:txBody>
-          <a:bodyPr/>
-          <a:lstStyle/>
-          <a:p>
-            <a:r>
-              <a:rPr lang="en-US" sz="2400" dirty="0"/>
-              <a:t>Nodes P3 and P4 enter P and W state, then fail </a:t>
-            </a:r>
-            <a:endParaRPr lang="en-US" sz="2400" dirty="0" smtClean="0"/>
-          </a:p>
-          <a:p>
-            <a:r>
-              <a:rPr lang="en-US" sz="2400" dirty="0" smtClean="0"/>
-              <a:t>When </a:t>
-            </a:r>
-            <a:r>
-              <a:rPr lang="en-US" sz="2400" dirty="0"/>
-              <a:t>they recover, coordinator, P1 and P2 are down </a:t>
-            </a:r>
-          </a:p>
-          <a:p>
-            <a:r>
-              <a:rPr lang="en-US" sz="2400" dirty="0" smtClean="0"/>
-              <a:t>Each </a:t>
-            </a:r>
-            <a:r>
-              <a:rPr lang="en-US" sz="2400" dirty="0"/>
-              <a:t>node has one vote, V = 5, M ≥ </a:t>
-            </a:r>
-            <a:r>
-              <a:rPr lang="en-US" sz="2400" dirty="0" smtClean="0"/>
-              <a:t>3</a:t>
-            </a:r>
-          </a:p>
-          <a:p>
-            <a:endParaRPr lang="en-US" sz="2400" dirty="0"/>
-          </a:p>
-          <a:p>
-            <a:r>
-              <a:rPr lang="en-US" sz="2400" dirty="0">
-                <a:solidFill>
-                  <a:srgbClr val="FF0000"/>
-                </a:solidFill>
-              </a:rPr>
-              <a:t>Nodes P3 and P4 have insufficient votes ⟹ they do </a:t>
-            </a:r>
-            <a:r>
-              <a:rPr lang="en-US" sz="2400" dirty="0" smtClean="0">
-                <a:solidFill>
-                  <a:srgbClr val="FF0000"/>
-                </a:solidFill>
-              </a:rPr>
-              <a:t>nothing</a:t>
-            </a:r>
-          </a:p>
-          <a:p>
-            <a:endParaRPr lang="en-US" sz="2400" dirty="0"/>
-          </a:p>
-          <a:p>
-            <a:endParaRPr lang="en-US" sz="2400" dirty="0" smtClean="0"/>
-          </a:p>
-        </p:txBody>
-      </p:sp>
+      </p:pic>
       <p:sp>
         <p:nvSpPr>
           <p:cNvPr id="4" name="Footer Placeholder 3"/>
@@ -9048,77 +9086,10 @@
           </a:p>
         </p:txBody>
       </p:sp>
-      <p:sp>
-        <p:nvSpPr>
-          <p:cNvPr id="7" name="Rectangle 6"/>
-          <p:cNvSpPr/>
-          <p:nvPr/>
-        </p:nvSpPr>
-        <p:spPr>
-          <a:xfrm>
-            <a:off x="1435100" y="2282924"/>
-            <a:ext cx="1707519" cy="461665"/>
-          </a:xfrm>
-          <a:prstGeom prst="rect">
-            <a:avLst/>
-          </a:prstGeom>
-        </p:spPr>
-        <p:txBody>
-          <a:bodyPr wrap="none">
-            <a:spAutoFit/>
-          </a:bodyPr>
-          <a:lstStyle/>
-          <a:p>
-            <a:r>
-              <a:rPr lang="en-US" altLang="zh-CN" sz="2400" b="1" dirty="0" smtClean="0"/>
-              <a:t>Example</a:t>
-            </a:r>
-            <a:r>
-              <a:rPr lang="zh-CN" altLang="en-US" sz="2400" b="1" dirty="0" smtClean="0"/>
-              <a:t> </a:t>
-            </a:r>
-            <a:r>
-              <a:rPr lang="en-US" altLang="zh-CN" sz="2400" b="1" dirty="0" smtClean="0"/>
-              <a:t>2</a:t>
-            </a:r>
-            <a:endParaRPr lang="en-US" sz="2400" b="1" dirty="0"/>
-          </a:p>
-        </p:txBody>
-      </p:sp>
-      <p:pic>
-        <p:nvPicPr>
-          <p:cNvPr id="8" name="Picture 7"/>
-          <p:cNvPicPr>
-            <a:picLocks noChangeAspect="1"/>
-          </p:cNvPicPr>
-          <p:nvPr/>
-        </p:nvPicPr>
-        <p:blipFill>
-          <a:blip r:embed="rId2">
-            <a:extLst>
-              <a:ext uri="{28A0092B-C50C-407E-A947-70E740481C1C}">
-                <a14:useLocalDpi xmlns:a14="http://schemas.microsoft.com/office/drawing/2010/main" val="0"/>
-              </a:ext>
-            </a:extLst>
-          </a:blip>
-          <a:stretch>
-            <a:fillRect/>
-          </a:stretch>
-        </p:blipFill>
-        <p:spPr>
-          <a:xfrm>
-            <a:off x="3164599" y="1411224"/>
-            <a:ext cx="5486400" cy="2070100"/>
-          </a:xfrm>
-          <a:prstGeom prst="rect">
-            <a:avLst/>
-          </a:prstGeom>
-        </p:spPr>
-      </p:pic>
     </p:spTree>
     <p:extLst>
       <p:ext uri="{BB962C8B-B14F-4D97-AF65-F5344CB8AC3E}">
-        <p14:creationId xmlns:p14="http://schemas.microsoft.com/office/powerpoint/2010/main" val="1419140394"/>
+        <p14:creationId xmlns:p14="http://schemas.microsoft.com/office/powerpoint/2010/main" val="1380911367"/>
       </p:ext>
     </p:extLst>
   </p:cSld>
@@ -9174,34 +9145,53 @@
           </a:p>
         </p:txBody>
       </p:sp>
-      <p:pic>
-        <p:nvPicPr>
-          <p:cNvPr id="6" name="Content Placeholder 5"/>
-          <p:cNvPicPr>
-            <a:picLocks noGrp="1" noChangeAspect="1"/>
-          </p:cNvPicPr>
+      <p:sp>
+        <p:nvSpPr>
+          <p:cNvPr id="3" name="Content Placeholder 2"/>
+          <p:cNvSpPr>
+            <a:spLocks noGrp="1"/>
+          </p:cNvSpPr>
           <p:nvPr>
             <p:ph idx="1"/>
           </p:nvPr>
-        </p:nvPicPr>
-        <p:blipFill rotWithShape="1">
-          <a:blip r:embed="rId2">
-            <a:extLst>
-              <a:ext uri="{28A0092B-C50C-407E-A947-70E740481C1C}">
-                <a14:useLocalDpi xmlns:a14="http://schemas.microsoft.com/office/drawing/2010/main" val="0"/>
-              </a:ext>
-            </a:extLst>
-          </a:blip>
-          <a:srcRect l="15719" t="11539"/>
-          <a:stretch/>
-        </p:blipFill>
-        <p:spPr>
-          <a:xfrm>
-            <a:off x="1115616" y="1742503"/>
-            <a:ext cx="7911042" cy="3918745"/>
-          </a:xfrm>
-        </p:spPr>
-      </p:pic>
+        </p:nvSpPr>
+        <p:spPr/>
+        <p:txBody>
+          <a:bodyPr/>
+          <a:lstStyle/>
+          <a:p>
+            <a:r>
+              <a:rPr lang="en-US" altLang="zh-CN" dirty="0" smtClean="0"/>
+              <a:t>Consider</a:t>
+            </a:r>
+            <a:r>
+              <a:rPr lang="zh-CN" altLang="en-US" dirty="0" smtClean="0"/>
+              <a:t> </a:t>
+            </a:r>
+            <a:r>
+              <a:rPr lang="en-US" altLang="zh-CN" dirty="0" smtClean="0"/>
+              <a:t>the</a:t>
+            </a:r>
+            <a:r>
+              <a:rPr lang="zh-CN" altLang="en-US" dirty="0" smtClean="0"/>
+              <a:t> </a:t>
+            </a:r>
+            <a:r>
+              <a:rPr lang="en-US" altLang="zh-CN" dirty="0" smtClean="0"/>
+              <a:t>following</a:t>
+            </a:r>
+            <a:r>
+              <a:rPr lang="zh-CN" altLang="en-US" dirty="0" smtClean="0"/>
+              <a:t> </a:t>
+            </a:r>
+            <a:r>
+              <a:rPr lang="en-US" altLang="zh-CN" dirty="0" smtClean="0"/>
+              <a:t>example</a:t>
+            </a:r>
+            <a:endParaRPr lang="en-US" dirty="0"/>
+          </a:p>
+        </p:txBody>
+      </p:sp>
       <p:sp>
         <p:nvSpPr>
           <p:cNvPr id="4" name="Footer Placeholder 3"/>
@@ -9252,167 +9242,6 @@
                 <a:defRPr/>
               </a:pPr>
               <a:t>21</a:t>
-            </a:fld>
-            <a:endParaRPr lang="zh-CN" altLang="en-US"/>
-          </a:p>
-        </p:txBody>
-      </p:sp>
-    </p:spTree>
-    <p:extLst>
-      <p:ext uri="{BB962C8B-B14F-4D97-AF65-F5344CB8AC3E}">
-        <p14:creationId xmlns:p14="http://schemas.microsoft.com/office/powerpoint/2010/main" val="1380911367"/>
-      </p:ext>
-    </p:extLst>
-  </p:cSld>
-  <p:clrMapOvr>
-    <a:masterClrMapping/>
-  </p:clrMapOvr>
-  <p:timing>
-    <p:tnLst>
-      <p:par>
-        <p:cTn id="1" dur="indefinite" restart="never" nodeType="tmRoot"/>
-      </p:par>
-    </p:tnLst>
-  </p:timing>
-</p:sld>
-</file>
-
-<file path=ppt/slides/slide22.xml><?xml version="1.0" encoding="utf-8"?>
-<p:sld xmlns:a="http://schemas.openxmlformats.org/drawingml/2006/main" xmlns:r="http://schemas.openxmlformats.org/officeDocument/2006/relationships" xmlns:p="http://schemas.openxmlformats.org/presentationml/2006/main">
-  <p:cSld>
-    <p:spTree>
-      <p:nvGrpSpPr>
-        <p:cNvPr id="1" name=""/>
-        <p:cNvGrpSpPr/>
-        <p:nvPr/>
-      </p:nvGrpSpPr>
-      <p:grpSpPr>
-        <a:xfrm>
-          <a:off x="0" y="0"/>
-          <a:ext cx="0" cy="0"/>
-          <a:chOff x="0" y="0"/>
-          <a:chExt cx="0" cy="0"/>
-        </a:xfrm>
-      </p:grpSpPr>
-      <p:sp>
-        <p:nvSpPr>
-          <p:cNvPr id="2" name="Title 1"/>
-          <p:cNvSpPr>
-            <a:spLocks noGrp="1"/>
-          </p:cNvSpPr>
-          <p:nvPr>
-            <p:ph type="title"/>
-          </p:nvPr>
-        </p:nvSpPr>
-        <p:spPr/>
-        <p:txBody>
-          <a:bodyPr/>
-          <a:lstStyle/>
-          <a:p>
-            <a:r>
-              <a:rPr lang="en-US" dirty="0"/>
-              <a:t>3PC with Majority Votes</a:t>
-            </a:r>
-          </a:p>
-        </p:txBody>
-      </p:sp>
-      <p:sp>
-        <p:nvSpPr>
-          <p:cNvPr id="3" name="Content Placeholder 2"/>
-          <p:cNvSpPr>
-            <a:spLocks noGrp="1"/>
-          </p:cNvSpPr>
-          <p:nvPr>
-            <p:ph idx="1"/>
-          </p:nvPr>
-        </p:nvSpPr>
-        <p:spPr/>
-        <p:txBody>
-          <a:bodyPr/>
-          <a:lstStyle/>
-          <a:p>
-            <a:r>
-              <a:rPr lang="en-US" altLang="zh-CN" dirty="0" smtClean="0"/>
-              <a:t>Consider</a:t>
-            </a:r>
-            <a:r>
-              <a:rPr lang="zh-CN" altLang="en-US" dirty="0" smtClean="0"/>
-              <a:t> </a:t>
-            </a:r>
-            <a:r>
-              <a:rPr lang="en-US" altLang="zh-CN" dirty="0" smtClean="0"/>
-              <a:t>the</a:t>
-            </a:r>
-            <a:r>
-              <a:rPr lang="zh-CN" altLang="en-US" dirty="0" smtClean="0"/>
-              <a:t> </a:t>
-            </a:r>
-            <a:r>
-              <a:rPr lang="en-US" altLang="zh-CN" dirty="0" smtClean="0"/>
-              <a:t>following</a:t>
-            </a:r>
-            <a:r>
-              <a:rPr lang="zh-CN" altLang="en-US" dirty="0" smtClean="0"/>
-              <a:t> </a:t>
-            </a:r>
-            <a:r>
-              <a:rPr lang="en-US" altLang="zh-CN" dirty="0" smtClean="0"/>
-              <a:t>example</a:t>
-            </a:r>
-            <a:endParaRPr lang="en-US" dirty="0"/>
-          </a:p>
-        </p:txBody>
-      </p:sp>
-      <p:sp>
-        <p:nvSpPr>
-          <p:cNvPr id="4" name="Footer Placeholder 3"/>
-          <p:cNvSpPr>
-            <a:spLocks noGrp="1"/>
-          </p:cNvSpPr>
-          <p:nvPr>
-            <p:ph type="ftr" sz="quarter" idx="11"/>
-          </p:nvPr>
-        </p:nvSpPr>
-        <p:spPr/>
-        <p:txBody>
-          <a:bodyPr/>
-          <a:lstStyle/>
-          <a:p>
-            <a:pPr>
-              <a:defRPr/>
-            </a:pPr>
-            <a:r>
-              <a:rPr lang="en-US" altLang="zh-CN" smtClean="0"/>
-              <a:t>Distributed Database Systems</a:t>
-            </a:r>
-            <a:endParaRPr lang="zh-CN" altLang="en-US"/>
-          </a:p>
-        </p:txBody>
-      </p:sp>
-      <p:sp>
-        <p:nvSpPr>
-          <p:cNvPr id="5" name="Slide Number Placeholder 4"/>
-          <p:cNvSpPr>
-            <a:spLocks noGrp="1"/>
-          </p:cNvSpPr>
-          <p:nvPr>
-            <p:ph type="sldNum" sz="quarter" idx="12"/>
-          </p:nvPr>
-        </p:nvSpPr>
-        <p:spPr/>
-        <p:txBody>
-          <a:bodyPr/>
-          <a:lstStyle/>
-          <a:p>
-            <a:pPr>
-              <a:defRPr/>
-            </a:pPr>
-            <a:fld id="{07A5CAEE-885A-5D41-93DF-9DC29A9FE4F0}" type="slidenum">
-              <a:rPr lang="zh-CN" altLang="en-US" smtClean="0"/>
-              <a:pPr>
-                <a:defRPr/>
-              </a:pPr>
-              <a:t>22</a:t>
             </a:fld>
             <a:endParaRPr lang="zh-CN" altLang="en-US"/>
           </a:p>
@@ -9468,7 +9297,7 @@
 </p:sld>
 </file>
 
-<file path=ppt/slides/slide23.xml><?xml version="1.0" encoding="utf-8"?>
+<file path=ppt/slides/slide22.xml><?xml version="1.0" encoding="utf-8"?>
 <p:sld xmlns:a="http://schemas.openxmlformats.org/drawingml/2006/main" xmlns:r="http://schemas.openxmlformats.org/officeDocument/2006/relationships" xmlns:p="http://schemas.openxmlformats.org/presentationml/2006/main">
   <p:cSld>
     <p:spTree>
@@ -9624,7 +9453,7 @@
               <a:pPr>
                 <a:defRPr/>
               </a:pPr>
-              <a:t>23</a:t>
+              <a:t>22</a:t>
             </a:fld>
             <a:endParaRPr lang="zh-CN" altLang="en-US"/>
           </a:p>
@@ -9728,7 +9557,7 @@
 </p:sld>
 </file>
 
-<file path=ppt/slides/slide24.xml><?xml version="1.0" encoding="utf-8"?>
+<file path=ppt/slides/slide23.xml><?xml version="1.0" encoding="utf-8"?>
 <p:sld xmlns:a="http://schemas.openxmlformats.org/drawingml/2006/main" xmlns:r="http://schemas.openxmlformats.org/officeDocument/2006/relationships" xmlns:p="http://schemas.openxmlformats.org/presentationml/2006/main">
   <p:cSld>
     <p:spTree>
@@ -9940,7 +9769,7 @@
               <a:pPr>
                 <a:defRPr/>
               </a:pPr>
-              <a:t>24</a:t>
+              <a:t>23</a:t>
             </a:fld>
             <a:endParaRPr lang="zh-CN" altLang="en-US"/>
           </a:p>
@@ -10044,7 +9873,7 @@
 </p:sld>
 </file>
 
-<file path=ppt/slides/slide25.xml><?xml version="1.0" encoding="utf-8"?>
+<file path=ppt/slides/slide24.xml><?xml version="1.0" encoding="utf-8"?>
 <p:sld xmlns:a="http://schemas.openxmlformats.org/drawingml/2006/main" xmlns:r="http://schemas.openxmlformats.org/officeDocument/2006/relationships" xmlns:p="http://schemas.openxmlformats.org/presentationml/2006/main">
   <p:cSld>
     <p:spTree>
@@ -10207,7 +10036,7 @@
               <a:pPr>
                 <a:defRPr/>
               </a:pPr>
-              <a:t>25</a:t>
+              <a:t>24</a:t>
             </a:fld>
             <a:endParaRPr lang="zh-CN" altLang="en-US"/>
           </a:p>
@@ -10311,7 +10140,7 @@
 </p:sld>
 </file>
 
-<file path=ppt/slides/slide26.xml><?xml version="1.0" encoding="utf-8"?>
+<file path=ppt/slides/slide25.xml><?xml version="1.0" encoding="utf-8"?>
 <p:sld xmlns:a="http://schemas.openxmlformats.org/drawingml/2006/main" xmlns:r="http://schemas.openxmlformats.org/officeDocument/2006/relationships" xmlns:p="http://schemas.openxmlformats.org/presentationml/2006/main">
   <p:cSld>
     <p:spTree>
@@ -10463,7 +10292,7 @@
               <a:pPr>
                 <a:defRPr/>
               </a:pPr>
-              <a:t>26</a:t>
+              <a:t>25</a:t>
             </a:fld>
             <a:endParaRPr lang="zh-CN" altLang="en-US"/>
           </a:p>
@@ -10549,6 +10378,323 @@
     <p:extLst>
       <p:ext uri="{BB962C8B-B14F-4D97-AF65-F5344CB8AC3E}">
         <p14:creationId xmlns:p14="http://schemas.microsoft.com/office/powerpoint/2010/main" val="1268899123"/>
+      </p:ext>
+    </p:extLst>
+  </p:cSld>
+  <p:clrMapOvr>
+    <a:masterClrMapping/>
+  </p:clrMapOvr>
+  <p:timing>
+    <p:tnLst>
+      <p:par>
+        <p:cTn id="1" dur="indefinite" restart="never" nodeType="tmRoot"/>
+      </p:par>
+    </p:tnLst>
+  </p:timing>
+</p:sld>
+</file>
+
+<file path=ppt/slides/slide26.xml><?xml version="1.0" encoding="utf-8"?>
+<p:sld xmlns:a="http://schemas.openxmlformats.org/drawingml/2006/main" xmlns:r="http://schemas.openxmlformats.org/officeDocument/2006/relationships" xmlns:p="http://schemas.openxmlformats.org/presentationml/2006/main">
+  <p:cSld>
+    <p:spTree>
+      <p:nvGrpSpPr>
+        <p:cNvPr id="1" name=""/>
+        <p:cNvGrpSpPr/>
+        <p:nvPr/>
+      </p:nvGrpSpPr>
+      <p:grpSpPr>
+        <a:xfrm>
+          <a:off x="0" y="0"/>
+          <a:ext cx="0" cy="0"/>
+          <a:chOff x="0" y="0"/>
+          <a:chExt cx="0" cy="0"/>
+        </a:xfrm>
+      </p:grpSpPr>
+      <p:sp>
+        <p:nvSpPr>
+          <p:cNvPr id="2" name="Title 1"/>
+          <p:cNvSpPr>
+            <a:spLocks noGrp="1"/>
+          </p:cNvSpPr>
+          <p:nvPr>
+            <p:ph type="title"/>
+          </p:nvPr>
+        </p:nvSpPr>
+        <p:spPr/>
+        <p:txBody>
+          <a:bodyPr/>
+          <a:lstStyle/>
+          <a:p>
+            <a:r>
+              <a:rPr lang="en-US" dirty="0"/>
+              <a:t>3PC with Majority Votes</a:t>
+            </a:r>
+          </a:p>
+        </p:txBody>
+      </p:sp>
+      <p:sp>
+        <p:nvSpPr>
+          <p:cNvPr id="3" name="Content Placeholder 2"/>
+          <p:cNvSpPr>
+            <a:spLocks noGrp="1"/>
+          </p:cNvSpPr>
+          <p:nvPr>
+            <p:ph idx="1"/>
+          </p:nvPr>
+        </p:nvSpPr>
+        <p:spPr/>
+        <p:txBody>
+          <a:bodyPr/>
+          <a:lstStyle/>
+          <a:p>
+            <a:r>
+              <a:rPr lang="en-US" altLang="zh-CN" dirty="0" smtClean="0"/>
+              <a:t>Scenario</a:t>
+            </a:r>
+            <a:r>
+              <a:rPr lang="zh-CN" altLang="en-US" dirty="0" smtClean="0"/>
+              <a:t> </a:t>
+            </a:r>
+            <a:r>
+              <a:rPr lang="en-US" altLang="zh-CN" dirty="0" smtClean="0"/>
+              <a:t>3</a:t>
+            </a:r>
+          </a:p>
+          <a:p>
+            <a:endParaRPr lang="en-US" altLang="zh-CN" dirty="0"/>
+          </a:p>
+          <a:p>
+            <a:endParaRPr lang="en-US" altLang="zh-CN" dirty="0" smtClean="0"/>
+          </a:p>
+          <a:p>
+            <a:endParaRPr lang="en-US" altLang="zh-CN" dirty="0"/>
+          </a:p>
+          <a:p>
+            <a:endParaRPr lang="en-US" altLang="zh-CN" dirty="0" smtClean="0"/>
+          </a:p>
+          <a:p>
+            <a:endParaRPr lang="en-US" altLang="zh-CN" dirty="0"/>
+          </a:p>
+          <a:p>
+            <a:pPr lvl="1"/>
+            <a:r>
+              <a:rPr lang="en-US" altLang="zh-CN" dirty="0" smtClean="0"/>
+              <a:t>Will</a:t>
+            </a:r>
+            <a:r>
+              <a:rPr lang="zh-CN" altLang="en-US" dirty="0" smtClean="0"/>
+              <a:t> </a:t>
+            </a:r>
+            <a:r>
+              <a:rPr lang="en-US" altLang="zh-CN" dirty="0" smtClean="0"/>
+              <a:t>have</a:t>
+            </a:r>
+            <a:r>
+              <a:rPr lang="zh-CN" altLang="en-US" dirty="0" smtClean="0"/>
+              <a:t> </a:t>
+            </a:r>
+            <a:r>
+              <a:rPr lang="en-US" altLang="zh-CN" dirty="0" smtClean="0"/>
+              <a:t>to</a:t>
+            </a:r>
+            <a:r>
+              <a:rPr lang="zh-CN" altLang="en-US" dirty="0" smtClean="0"/>
+              <a:t> </a:t>
+            </a:r>
+            <a:r>
+              <a:rPr lang="en-US" altLang="zh-CN" dirty="0" smtClean="0">
+                <a:solidFill>
+                  <a:srgbClr val="FF0000"/>
+                </a:solidFill>
+              </a:rPr>
+              <a:t>wait</a:t>
+            </a:r>
+            <a:r>
+              <a:rPr lang="zh-CN" altLang="en-US" dirty="0" smtClean="0">
+                <a:solidFill>
+                  <a:srgbClr val="FF0000"/>
+                </a:solidFill>
+              </a:rPr>
+              <a:t> </a:t>
+            </a:r>
+            <a:r>
+              <a:rPr lang="en-US" altLang="zh-CN" dirty="0" smtClean="0"/>
+              <a:t>for</a:t>
+            </a:r>
+            <a:r>
+              <a:rPr lang="zh-CN" altLang="en-US" dirty="0" smtClean="0"/>
+              <a:t> </a:t>
+            </a:r>
+            <a:r>
+              <a:rPr lang="en-US" altLang="zh-CN" dirty="0" smtClean="0"/>
+              <a:t>either</a:t>
+            </a:r>
+          </a:p>
+          <a:p>
+            <a:pPr lvl="2"/>
+            <a:r>
+              <a:rPr lang="en-US" altLang="zh-CN" dirty="0" smtClean="0"/>
+              <a:t>Some </a:t>
+            </a:r>
+            <a:r>
+              <a:rPr lang="en-US" altLang="zh-CN" dirty="0"/>
+              <a:t>node to recover in A or </a:t>
+            </a:r>
+            <a:r>
+              <a:rPr lang="en-US" altLang="zh-CN" dirty="0" smtClean="0"/>
+              <a:t>C</a:t>
+            </a:r>
+          </a:p>
+          <a:p>
+            <a:pPr lvl="2"/>
+            <a:r>
+              <a:rPr lang="en-US" altLang="zh-CN" dirty="0" smtClean="0"/>
+              <a:t>All </a:t>
+            </a:r>
+            <a:r>
+              <a:rPr lang="en-US" altLang="zh-CN" dirty="0"/>
+              <a:t>nodes to recover and confirm that none were in A or C</a:t>
+            </a:r>
+            <a:endParaRPr lang="en-US" dirty="0"/>
+          </a:p>
+        </p:txBody>
+      </p:sp>
+      <p:sp>
+        <p:nvSpPr>
+          <p:cNvPr id="4" name="Footer Placeholder 3"/>
+          <p:cNvSpPr>
+            <a:spLocks noGrp="1"/>
+          </p:cNvSpPr>
+          <p:nvPr>
+            <p:ph type="ftr" sz="quarter" idx="11"/>
+          </p:nvPr>
+        </p:nvSpPr>
+        <p:spPr/>
+        <p:txBody>
+          <a:bodyPr/>
+          <a:lstStyle/>
+          <a:p>
+            <a:pPr>
+              <a:defRPr/>
+            </a:pPr>
+            <a:r>
+              <a:rPr lang="en-US" altLang="zh-CN" smtClean="0"/>
+              <a:t>Distributed Database Systems</a:t>
+            </a:r>
+            <a:endParaRPr lang="zh-CN" altLang="en-US"/>
+          </a:p>
+        </p:txBody>
+      </p:sp>
+      <p:sp>
+        <p:nvSpPr>
+          <p:cNvPr id="5" name="Slide Number Placeholder 4"/>
+          <p:cNvSpPr>
+            <a:spLocks noGrp="1"/>
+          </p:cNvSpPr>
+          <p:nvPr>
+            <p:ph type="sldNum" sz="quarter" idx="12"/>
+          </p:nvPr>
+        </p:nvSpPr>
+        <p:spPr/>
+        <p:txBody>
+          <a:bodyPr/>
+          <a:lstStyle/>
+          <a:p>
+            <a:pPr>
+              <a:defRPr/>
+            </a:pPr>
+            <a:fld id="{07A5CAEE-885A-5D41-93DF-9DC29A9FE4F0}" type="slidenum">
+              <a:rPr lang="zh-CN" altLang="en-US" smtClean="0"/>
+              <a:pPr>
+                <a:defRPr/>
+              </a:pPr>
+              <a:t>26</a:t>
+            </a:fld>
+            <a:endParaRPr lang="zh-CN" altLang="en-US"/>
+          </a:p>
+        </p:txBody>
+      </p:sp>
+      <p:pic>
+        <p:nvPicPr>
+          <p:cNvPr id="7" name="Picture 6"/>
+          <p:cNvPicPr>
+            <a:picLocks noChangeAspect="1"/>
+          </p:cNvPicPr>
+          <p:nvPr/>
+        </p:nvPicPr>
+        <p:blipFill>
+          <a:blip r:embed="rId2">
+            <a:extLst>
+              <a:ext uri="{28A0092B-C50C-407E-A947-70E740481C1C}">
+                <a14:useLocalDpi xmlns:a14="http://schemas.microsoft.com/office/drawing/2010/main" val="0"/>
+              </a:ext>
+            </a:extLst>
+          </a:blip>
+          <a:stretch>
+            <a:fillRect/>
+          </a:stretch>
+        </p:blipFill>
+        <p:spPr>
+          <a:xfrm>
+            <a:off x="2838138" y="2074276"/>
+            <a:ext cx="4343400" cy="2781300"/>
+          </a:xfrm>
+          <a:prstGeom prst="rect">
+            <a:avLst/>
+          </a:prstGeom>
+        </p:spPr>
+      </p:pic>
+      <p:sp>
+        <p:nvSpPr>
+          <p:cNvPr id="8" name="Rectangle 7"/>
+          <p:cNvSpPr/>
+          <p:nvPr/>
+        </p:nvSpPr>
+        <p:spPr>
+          <a:xfrm>
+            <a:off x="2483768" y="2064738"/>
+            <a:ext cx="1512168" cy="283961"/>
+          </a:xfrm>
+          <a:prstGeom prst="rect">
+            <a:avLst/>
+          </a:prstGeom>
+          <a:solidFill>
+            <a:schemeClr val="bg1"/>
+          </a:solidFill>
+          <a:ln>
+            <a:noFill/>
+          </a:ln>
+        </p:spPr>
+        <p:style>
+          <a:lnRef idx="2">
+            <a:schemeClr val="accent1">
+              <a:shade val="50000"/>
+            </a:schemeClr>
+          </a:lnRef>
+          <a:fillRef idx="1">
+            <a:schemeClr val="accent1"/>
+          </a:fillRef>
+          <a:effectRef idx="0">
+            <a:schemeClr val="accent1"/>
+          </a:effectRef>
+          <a:fontRef idx="minor">
+            <a:schemeClr val="lt1"/>
+          </a:fontRef>
+        </p:style>
+        <p:txBody>
+          <a:bodyPr rtlCol="0" anchor="ctr"/>
+          <a:lstStyle/>
+          <a:p>
+            <a:pPr algn="ctr"/>
+            <a:endParaRPr lang="en-US"/>
+          </a:p>
+        </p:txBody>
+      </p:sp>
+    </p:spTree>
+    <p:extLst>
+      <p:ext uri="{BB962C8B-B14F-4D97-AF65-F5344CB8AC3E}">
+        <p14:creationId xmlns:p14="http://schemas.microsoft.com/office/powerpoint/2010/main" val="236697835"/>
       </p:ext>
     </p:extLst>
   </p:cSld>
@@ -10621,7 +10767,7 @@
           <a:p>
             <a:r>
               <a:rPr lang="en-US" altLang="zh-CN" dirty="0" smtClean="0"/>
-              <a:t>Scenario</a:t>
+              <a:t>Summary</a:t>
             </a:r>
             <a:r>
               <a:rPr lang="zh-CN" altLang="en-US" dirty="0" smtClean="0"/>
@@ -10629,29 +10775,7 @@
             </a:r>
             <a:r>
               <a:rPr lang="en-US" altLang="zh-CN" dirty="0" smtClean="0"/>
-              <a:t>3</a:t>
-            </a:r>
-          </a:p>
-          <a:p>
-            <a:endParaRPr lang="en-US" altLang="zh-CN" dirty="0"/>
-          </a:p>
-          <a:p>
-            <a:endParaRPr lang="en-US" altLang="zh-CN" dirty="0" smtClean="0"/>
-          </a:p>
-          <a:p>
-            <a:endParaRPr lang="en-US" altLang="zh-CN" dirty="0"/>
-          </a:p>
-          <a:p>
-            <a:endParaRPr lang="en-US" altLang="zh-CN" dirty="0" smtClean="0"/>
-          </a:p>
-          <a:p>
-            <a:endParaRPr lang="en-US" altLang="zh-CN" dirty="0"/>
-          </a:p>
-          <a:p>
-            <a:pPr lvl="1"/>
-            <a:r>
-              <a:rPr lang="en-US" altLang="zh-CN" dirty="0" smtClean="0"/>
-              <a:t>Will</a:t>
+              <a:t>for</a:t>
             </a:r>
             <a:r>
               <a:rPr lang="zh-CN" altLang="en-US" dirty="0" smtClean="0"/>
@@ -10659,7 +10783,7 @@
             </a:r>
             <a:r>
               <a:rPr lang="en-US" altLang="zh-CN" dirty="0" smtClean="0"/>
-              <a:t>have</a:t>
+              <a:t>the</a:t>
             </a:r>
             <a:r>
               <a:rPr lang="zh-CN" altLang="en-US" dirty="0" smtClean="0"/>
@@ -10667,67 +10791,67 @@
             </a:r>
             <a:r>
               <a:rPr lang="en-US" altLang="zh-CN" dirty="0" smtClean="0"/>
-              <a:t>to</a:t>
+              <a:t>above</a:t>
             </a:r>
             <a:r>
               <a:rPr lang="zh-CN" altLang="en-US" dirty="0" smtClean="0"/>
               <a:t> </a:t>
             </a:r>
             <a:r>
-              <a:rPr lang="en-US" altLang="zh-CN" dirty="0" smtClean="0">
-                <a:solidFill>
-                  <a:srgbClr val="FF0000"/>
-                </a:solidFill>
-              </a:rPr>
-              <a:t>wait</a:t>
-            </a:r>
-            <a:r>
-              <a:rPr lang="zh-CN" altLang="en-US" dirty="0" smtClean="0">
-                <a:solidFill>
-                  <a:srgbClr val="FF0000"/>
-                </a:solidFill>
-              </a:rPr>
-              <a:t> </a:t>
-            </a:r>
-            <a:r>
               <a:rPr lang="en-US" altLang="zh-CN" dirty="0" smtClean="0"/>
-              <a:t>for</a:t>
-            </a:r>
-            <a:r>
-              <a:rPr lang="zh-CN" altLang="en-US" dirty="0" smtClean="0"/>
-              <a:t> </a:t>
-            </a:r>
-            <a:r>
-              <a:rPr lang="en-US" altLang="zh-CN" dirty="0" smtClean="0"/>
-              <a:t>either</a:t>
-            </a:r>
-          </a:p>
-          <a:p>
-            <a:pPr lvl="2"/>
-            <a:r>
-              <a:rPr lang="en-US" altLang="zh-CN" dirty="0" smtClean="0"/>
-              <a:t>Some </a:t>
-            </a:r>
-            <a:r>
-              <a:rPr lang="en-US" altLang="zh-CN" dirty="0"/>
-              <a:t>node to recover in A or </a:t>
-            </a:r>
-            <a:r>
-              <a:rPr lang="en-US" altLang="zh-CN" dirty="0" smtClean="0"/>
-              <a:t>C</a:t>
-            </a:r>
-          </a:p>
-          <a:p>
-            <a:pPr lvl="2"/>
-            <a:r>
-              <a:rPr lang="en-US" altLang="zh-CN" dirty="0" smtClean="0"/>
-              <a:t>All </a:t>
-            </a:r>
-            <a:r>
-              <a:rPr lang="en-US" altLang="zh-CN" dirty="0"/>
-              <a:t>nodes to recover and confirm that none were in A or C</a:t>
-            </a:r>
-            <a:endParaRPr lang="en-US" dirty="0"/>
+              <a:t>example</a:t>
+            </a:r>
+            <a:endParaRPr lang="en-US" dirty="0" smtClean="0"/>
+          </a:p>
+          <a:p>
+            <a:pPr lvl="1"/>
+            <a:r>
+              <a:rPr lang="en-US" dirty="0" smtClean="0"/>
+              <a:t>If </a:t>
+            </a:r>
+            <a:r>
+              <a:rPr lang="en-US" dirty="0"/>
+              <a:t>survivors have majority and all states W ⟹ try to </a:t>
+            </a:r>
+            <a:r>
+              <a:rPr lang="en-US" dirty="0" smtClean="0"/>
+              <a:t>abort</a:t>
+            </a:r>
+          </a:p>
+          <a:p>
+            <a:pPr lvl="1"/>
+            <a:r>
+              <a:rPr lang="en-US" dirty="0" smtClean="0"/>
+              <a:t>If </a:t>
+            </a:r>
+            <a:r>
+              <a:rPr lang="en-US" dirty="0"/>
+              <a:t>survivors have majority and states in { W, PC, C } ⟹ try to commit </a:t>
+            </a:r>
+            <a:endParaRPr lang="en-US" dirty="0" smtClean="0"/>
+          </a:p>
+          <a:p>
+            <a:pPr lvl="1"/>
+            <a:r>
+              <a:rPr lang="en-US" dirty="0" smtClean="0"/>
+              <a:t>If </a:t>
+            </a:r>
+            <a:r>
+              <a:rPr lang="en-US" dirty="0"/>
+              <a:t>survivors have majority and states in { W, PA, A } ⟹ try to abort </a:t>
+            </a:r>
+            <a:endParaRPr lang="en-US" dirty="0" smtClean="0"/>
+          </a:p>
+          <a:p>
+            <a:pPr lvl="1"/>
+            <a:r>
+              <a:rPr lang="en-US" dirty="0" smtClean="0"/>
+              <a:t>Otherwise </a:t>
+            </a:r>
+            <a:r>
+              <a:rPr lang="en-US" dirty="0"/>
+              <a:t>block</a:t>
+            </a:r>
           </a:p>
         </p:txBody>
       </p:sp>
@@ -10786,86 +10910,10 @@
           </a:p>
         </p:txBody>
       </p:sp>
-      <p:pic>
-        <p:nvPicPr>
-          <p:cNvPr id="7" name="Picture 6"/>
-          <p:cNvPicPr>
-            <a:picLocks noChangeAspect="1"/>
-          </p:cNvPicPr>
-          <p:nvPr/>
-        </p:nvPicPr>
-        <p:blipFill>
-          <a:blip r:embed="rId2">
-            <a:extLst>
-              <a:ext uri="{28A0092B-C50C-407E-A947-70E740481C1C}">
-                <a14:useLocalDpi xmlns:a14="http://schemas.microsoft.com/office/drawing/2010/main" val="0"/>
-              </a:ext>
-            </a:extLst>
-          </a:blip>
-          <a:stretch>
-            <a:fillRect/>
-          </a:stretch>
-        </p:blipFill>
-        <p:spPr>
-          <a:xfrm>
-            <a:off x="2838138" y="2074276"/>
-            <a:ext cx="4343400" cy="2781300"/>
-          </a:xfrm>
-          <a:prstGeom prst="rect">
-            <a:avLst/>
-          </a:prstGeom>
-        </p:spPr>
-      </p:pic>
-      <p:sp>
-        <p:nvSpPr>
-          <p:cNvPr id="8" name="Rectangle 7"/>
-          <p:cNvSpPr/>
-          <p:nvPr/>
-        </p:nvSpPr>
-        <p:spPr>
-          <a:xfrm>
-            <a:off x="2483768" y="2064738"/>
-            <a:ext cx="1512168" cy="283961"/>
-          </a:xfrm>
-          <a:prstGeom prst="rect">
-            <a:avLst/>
-          </a:prstGeom>
-          <a:solidFill>
-            <a:schemeClr val="bg1"/>
-          </a:solidFill>
-          <a:ln>
-            <a:noFill/>
-          </a:ln>
-        </p:spPr>
-        <p:style>
-          <a:lnRef idx="2">
-            <a:schemeClr val="accent1">
-              <a:shade val="50000"/>
-            </a:schemeClr>
-          </a:lnRef>
-          <a:fillRef idx="1">
-            <a:schemeClr val="accent1"/>
-          </a:fillRef>
-          <a:effectRef idx="0">
-            <a:schemeClr val="accent1"/>
-          </a:effectRef>
-          <a:fontRef idx="minor">
-            <a:schemeClr val="lt1"/>
-          </a:fontRef>
-        </p:style>
-        <p:txBody>
-          <a:bodyPr rtlCol="0" anchor="ctr"/>
-          <a:lstStyle/>
-          <a:p>
-            <a:pPr algn="ctr"/>
-            <a:endParaRPr lang="en-US"/>
-          </a:p>
-        </p:txBody>
-      </p:sp>
     </p:spTree>
     <p:extLst>
       <p:ext uri="{BB962C8B-B14F-4D97-AF65-F5344CB8AC3E}">
-        <p14:creationId xmlns:p14="http://schemas.microsoft.com/office/powerpoint/2010/main" val="236697835"/>
+        <p14:creationId xmlns:p14="http://schemas.microsoft.com/office/powerpoint/2010/main" val="676554850"/>
       </p:ext>
     </p:extLst>
   </p:cSld>
@@ -10916,7 +10964,7 @@
           <a:p>
             <a:r>
               <a:rPr lang="en-US" dirty="0"/>
-              <a:t>3PC with Majority Votes</a:t>
+              <a:t>3PC Comparison</a:t>
             </a:r>
           </a:p>
         </p:txBody>
@@ -10937,40 +10985,28 @@
           <a:lstStyle/>
           <a:p>
             <a:r>
-              <a:rPr lang="en-US" altLang="zh-CN" dirty="0" smtClean="0"/>
-              <a:t>Summary</a:t>
-            </a:r>
-            <a:r>
-              <a:rPr lang="zh-CN" altLang="en-US" dirty="0" smtClean="0"/>
-              <a:t> </a:t>
-            </a:r>
-            <a:r>
-              <a:rPr lang="en-US" altLang="zh-CN" dirty="0" smtClean="0"/>
-              <a:t>for</a:t>
-            </a:r>
-            <a:r>
-              <a:rPr lang="zh-CN" altLang="en-US" dirty="0" smtClean="0"/>
-              <a:t> </a:t>
-            </a:r>
-            <a:r>
-              <a:rPr lang="en-US" altLang="zh-CN" dirty="0" smtClean="0"/>
-              <a:t>the</a:t>
-            </a:r>
-            <a:r>
-              <a:rPr lang="zh-CN" altLang="en-US" dirty="0" smtClean="0"/>
-              <a:t> </a:t>
-            </a:r>
-            <a:r>
-              <a:rPr lang="en-US" altLang="zh-CN" dirty="0" smtClean="0"/>
-              <a:t>above</a:t>
-            </a:r>
-            <a:r>
-              <a:rPr lang="zh-CN" altLang="en-US" dirty="0" smtClean="0"/>
-              <a:t> </a:t>
-            </a:r>
-            <a:r>
-              <a:rPr lang="en-US" altLang="zh-CN" dirty="0" smtClean="0"/>
-              <a:t>example</a:t>
+              <a:rPr lang="en-US" b="1" dirty="0"/>
+              <a:t>Basic 3PC </a:t>
+            </a:r>
+            <a:endParaRPr lang="en-US" dirty="0"/>
+          </a:p>
+          <a:p>
+            <a:pPr lvl="1"/>
+            <a:r>
+              <a:rPr lang="en-US" dirty="0"/>
+              <a:t>Only nodes that have not failed participate in decision </a:t>
+            </a:r>
+            <a:endParaRPr lang="en-US" dirty="0" smtClean="0"/>
+          </a:p>
+          <a:p>
+            <a:pPr lvl="1"/>
+            <a:r>
+              <a:rPr lang="en-US" dirty="0" smtClean="0"/>
+              <a:t>Any </a:t>
+            </a:r>
+            <a:r>
+              <a:rPr lang="en-US" dirty="0"/>
+              <a:t>remaining subgroup can terminate (even one node) </a:t>
             </a:r>
             <a:endParaRPr lang="en-US" dirty="0" smtClean="0"/>
           </a:p>
@@ -10982,47 +11018,19 @@
             </a:r>
             <a:r>
               <a:rPr lang="en-US" dirty="0"/>
-              <a:t>survivors have majority and all states W ⟹ try to </a:t>
-            </a:r>
-            <a:r>
-              <a:rPr lang="en-US" dirty="0" smtClean="0"/>
-              <a:t>abort</a:t>
-            </a:r>
-          </a:p>
-          <a:p>
-            <a:pPr lvl="1"/>
-            <a:r>
-              <a:rPr lang="en-US" dirty="0" smtClean="0"/>
-              <a:t>If </a:t>
+              <a:t>all nodes fail, must wait for </a:t>
+            </a:r>
+            <a:r>
+              <a:rPr lang="en-US" b="1" dirty="0"/>
+              <a:t>all </a:t>
             </a:r>
             <a:r>
               <a:rPr lang="en-US" dirty="0"/>
-              <a:t>survivors have majority and states in { W, PC, C } ⟹ try to commit </a:t>
-            </a:r>
-            <a:endParaRPr lang="en-US" dirty="0" smtClean="0"/>
-          </a:p>
-          <a:p>
-            <a:pPr lvl="1"/>
-            <a:r>
-              <a:rPr lang="en-US" dirty="0" smtClean="0"/>
-              <a:t>If </a:t>
-            </a:r>
-            <a:r>
-              <a:rPr lang="en-US" dirty="0"/>
-              <a:t>survivors have majority and states in { W, PA, A } ⟹ try to abort </a:t>
-            </a:r>
-            <a:endParaRPr lang="en-US" dirty="0" smtClean="0"/>
-          </a:p>
-          <a:p>
-            <a:pPr lvl="1"/>
-            <a:r>
-              <a:rPr lang="en-US" dirty="0" smtClean="0"/>
-              <a:t>Otherwise </a:t>
-            </a:r>
-            <a:r>
-              <a:rPr lang="en-US" dirty="0"/>
-              <a:t>block</a:t>
-            </a:r>
+              <a:t>to recover </a:t>
+            </a:r>
+          </a:p>
+          <a:p>
+            <a:endParaRPr lang="en-US" dirty="0"/>
           </a:p>
         </p:txBody>
       </p:sp>
@@ -11084,7 +11092,7 @@
     </p:spTree>
     <p:extLst>
       <p:ext uri="{BB962C8B-B14F-4D97-AF65-F5344CB8AC3E}">
-        <p14:creationId xmlns:p14="http://schemas.microsoft.com/office/powerpoint/2010/main" val="676554850"/>
+        <p14:creationId xmlns:p14="http://schemas.microsoft.com/office/powerpoint/2010/main" val="423463462"/>
       </p:ext>
     </p:extLst>
   </p:cSld>
@@ -11157,7 +11165,7 @@
           <a:p>
             <a:r>
               <a:rPr lang="en-US" b="1" dirty="0"/>
-              <a:t>Basic 3PC </a:t>
+              <a:t>3PC with majority votes </a:t>
             </a:r>
             <a:endParaRPr lang="en-US" dirty="0"/>
           </a:p>
@@ -11165,7 +11173,7 @@
             <a:pPr lvl="1"/>
             <a:r>
               <a:rPr lang="en-US" dirty="0"/>
-              <a:t>Only nodes that have not failed participate in decision </a:t>
+              <a:t>A group of failed but recovering nodes can terminate transaction </a:t>
             </a:r>
             <a:endParaRPr lang="en-US" dirty="0" smtClean="0"/>
           </a:p>
@@ -11173,31 +11181,26 @@
             <a:pPr lvl="1"/>
             <a:r>
               <a:rPr lang="en-US" dirty="0" smtClean="0"/>
-              <a:t>Any </a:t>
+              <a:t>Need </a:t>
             </a:r>
             <a:r>
               <a:rPr lang="en-US" dirty="0"/>
-              <a:t>remaining subgroup can terminate (even one node) </a:t>
-            </a:r>
+              <a:t>majority to commit</a:t>
+            </a:r>
+            <a:br>
+              <a:rPr lang="en-US" dirty="0"/>
+            </a:br>
             <a:endParaRPr lang="en-US" dirty="0" smtClean="0"/>
           </a:p>
           <a:p>
             <a:pPr lvl="1"/>
             <a:r>
-              <a:rPr lang="en-US" dirty="0" smtClean="0"/>
-              <a:t>If </a:t>
+              <a:rPr lang="en-US" b="1" dirty="0" smtClean="0"/>
+              <a:t>Blocking </a:t>
             </a:r>
             <a:r>
               <a:rPr lang="en-US" dirty="0"/>
-              <a:t>all nodes fail, must wait for </a:t>
-            </a:r>
-            <a:r>
-              <a:rPr lang="en-US" b="1" dirty="0"/>
-              <a:t>all </a:t>
-            </a:r>
-            <a:r>
-              <a:rPr lang="en-US" dirty="0"/>
-              <a:t>to recover </a:t>
+              <a:t>protocol </a:t>
             </a:r>
           </a:p>
           <a:p>
@@ -11263,20 +11266,13 @@
     </p:spTree>
     <p:extLst>
       <p:ext uri="{BB962C8B-B14F-4D97-AF65-F5344CB8AC3E}">
-        <p14:creationId xmlns:p14="http://schemas.microsoft.com/office/powerpoint/2010/main" val="423463462"/>
+        <p14:creationId xmlns:p14="http://schemas.microsoft.com/office/powerpoint/2010/main" val="1735274803"/>
       </p:ext>
     </p:extLst>
   </p:cSld>
   <p:clrMapOvr>
     <a:masterClrMapping/>
   </p:clrMapOvr>
-  <p:timing>
-    <p:tnLst>
-      <p:par>
-        <p:cTn id="1" dur="indefinite" restart="never" nodeType="tmRoot"/>
-      </p:par>
-    </p:tnLst>
-  </p:timing>
 </p:sld>
 </file>
 
@@ -11516,7 +11512,7 @@
           <a:p>
             <a:r>
               <a:rPr lang="en-US" dirty="0"/>
-              <a:t>3PC Comparison</a:t>
+              <a:t>3PC Logging</a:t>
             </a:r>
           </a:p>
         </p:txBody>
@@ -11537,47 +11533,58 @@
           <a:lstStyle/>
           <a:p>
             <a:r>
-              <a:rPr lang="en-US" b="1" dirty="0"/>
-              <a:t>3PC with majority votes </a:t>
-            </a:r>
-            <a:endParaRPr lang="en-US" dirty="0"/>
+              <a:rPr lang="en-US" sz="2800" dirty="0"/>
+              <a:t>When a node recovers, it uses its log as usual to determine the status of each transaction </a:t>
+            </a:r>
           </a:p>
           <a:p>
             <a:pPr lvl="1"/>
             <a:r>
-              <a:rPr lang="en-US" dirty="0"/>
-              <a:t>A group of failed but recovering nodes can terminate transaction </a:t>
-            </a:r>
-            <a:endParaRPr lang="en-US" dirty="0" smtClean="0"/>
+              <a:rPr lang="en-US" sz="2400" dirty="0"/>
+              <a:t>If commit logged ⟹ redo if </a:t>
+            </a:r>
+            <a:r>
+              <a:rPr lang="en-US" sz="2400" dirty="0" smtClean="0"/>
+              <a:t>necessary</a:t>
+            </a:r>
+            <a:endParaRPr lang="en-US" sz="2400" dirty="0"/>
           </a:p>
           <a:p>
             <a:pPr lvl="1"/>
             <a:r>
-              <a:rPr lang="en-US" dirty="0" smtClean="0"/>
-              <a:t>Need </a:t>
-            </a:r>
-            <a:r>
-              <a:rPr lang="en-US" dirty="0"/>
-              <a:t>majority to commit</a:t>
-            </a:r>
-            <a:br>
-              <a:rPr lang="en-US" dirty="0"/>
-            </a:br>
-            <a:endParaRPr lang="en-US" dirty="0" smtClean="0"/>
+              <a:rPr lang="en-US" sz="2400" dirty="0" smtClean="0"/>
+              <a:t>If </a:t>
+            </a:r>
+            <a:r>
+              <a:rPr lang="en-US" sz="2400" dirty="0"/>
+              <a:t>abort logged (or wait is missing) ⟹ rollback if necessary </a:t>
+            </a:r>
+            <a:endParaRPr lang="en-US" sz="2400" dirty="0" smtClean="0"/>
           </a:p>
           <a:p>
             <a:pPr lvl="1"/>
             <a:r>
-              <a:rPr lang="en-US" b="1" dirty="0" smtClean="0"/>
-              <a:t>Blocking </a:t>
-            </a:r>
-            <a:r>
-              <a:rPr lang="en-US" dirty="0"/>
-              <a:t>protocol </a:t>
-            </a:r>
-          </a:p>
-          <a:p>
-            <a:endParaRPr lang="en-US" dirty="0"/>
+              <a:rPr lang="en-US" sz="2400" dirty="0"/>
+              <a:t>If wait logged (or pre state ) ⟹Reclaim locks held by T before </a:t>
+            </a:r>
+            <a:r>
+              <a:rPr lang="en-US" sz="2400" dirty="0" smtClean="0"/>
+              <a:t>crash</a:t>
+            </a:r>
+          </a:p>
+          <a:p>
+            <a:pPr lvl="1"/>
+            <a:r>
+              <a:rPr lang="en-US" sz="2400" dirty="0" smtClean="0"/>
+              <a:t>Try </a:t>
+            </a:r>
+            <a:r>
+              <a:rPr lang="en-US" sz="2400" dirty="0"/>
+              <a:t>to terminate T (with other nodes)</a:t>
+            </a:r>
+          </a:p>
+          <a:p>
+            <a:endParaRPr lang="en-US" sz="2800" dirty="0"/>
           </a:p>
         </p:txBody>
       </p:sp>
@@ -11639,7 +11646,7 @@
     </p:spTree>
     <p:extLst>
       <p:ext uri="{BB962C8B-B14F-4D97-AF65-F5344CB8AC3E}">
-        <p14:creationId xmlns:p14="http://schemas.microsoft.com/office/powerpoint/2010/main" val="1735274803"/>
+        <p14:creationId xmlns:p14="http://schemas.microsoft.com/office/powerpoint/2010/main" val="539822837"/>
       </p:ext>
     </p:extLst>
   </p:cSld>
@@ -11682,80 +11689,120 @@
           <a:lstStyle/>
           <a:p>
             <a:r>
+              <a:rPr lang="en-US" altLang="zh-CN" dirty="0" err="1" smtClean="0"/>
+              <a:t>Reliablity</a:t>
+            </a:r>
+            <a:r>
+              <a:rPr lang="en-US" altLang="zh-CN" dirty="0" smtClean="0"/>
+              <a:t> Summary</a:t>
+            </a:r>
+            <a:endParaRPr lang="en-US" dirty="0"/>
+          </a:p>
+        </p:txBody>
+      </p:sp>
+      <p:sp>
+        <p:nvSpPr>
+          <p:cNvPr id="3" name="Content Placeholder 2"/>
+          <p:cNvSpPr>
+            <a:spLocks noGrp="1"/>
+          </p:cNvSpPr>
+          <p:nvPr>
+            <p:ph idx="1"/>
+          </p:nvPr>
+        </p:nvSpPr>
+        <p:spPr/>
+        <p:txBody>
+          <a:bodyPr/>
+          <a:lstStyle/>
+          <a:p>
+            <a:r>
               <a:rPr lang="en-US" dirty="0"/>
-              <a:t>3PC Logging</a:t>
-            </a:r>
-          </a:p>
-        </p:txBody>
-      </p:sp>
-      <p:sp>
-        <p:nvSpPr>
-          <p:cNvPr id="3" name="Content Placeholder 2"/>
-          <p:cNvSpPr>
-            <a:spLocks noGrp="1"/>
-          </p:cNvSpPr>
-          <p:nvPr>
-            <p:ph idx="1"/>
-          </p:nvPr>
-        </p:nvSpPr>
-        <p:spPr/>
-        <p:txBody>
-          <a:bodyPr/>
-          <a:lstStyle/>
-          <a:p>
-            <a:r>
-              <a:rPr lang="en-US" sz="2800" dirty="0"/>
-              <a:t>When a node recovers, it uses its log as usual to determine the status of each transaction </a:t>
+              <a:t>Failure models </a:t>
             </a:r>
           </a:p>
           <a:p>
             <a:pPr lvl="1"/>
             <a:r>
-              <a:rPr lang="en-US" sz="2400" dirty="0"/>
-              <a:t>If commit logged ⟹ redo if </a:t>
-            </a:r>
-            <a:r>
-              <a:rPr lang="en-US" sz="2400" dirty="0" smtClean="0"/>
-              <a:t>necessary</a:t>
-            </a:r>
-            <a:endParaRPr lang="en-US" sz="2400" dirty="0"/>
+              <a:rPr lang="en-US" dirty="0" smtClean="0"/>
+              <a:t>Nodes </a:t>
+            </a:r>
+            <a:endParaRPr lang="en-US" dirty="0"/>
           </a:p>
           <a:p>
             <a:pPr lvl="1"/>
             <a:r>
-              <a:rPr lang="en-US" sz="2400" dirty="0" smtClean="0"/>
-              <a:t>If </a:t>
-            </a:r>
-            <a:r>
-              <a:rPr lang="en-US" sz="2400" dirty="0"/>
-              <a:t>abort logged (or wait is missing) ⟹ rollback if necessary </a:t>
-            </a:r>
-            <a:endParaRPr lang="en-US" sz="2400" dirty="0" smtClean="0"/>
+              <a:rPr lang="en-US" dirty="0"/>
+              <a:t>Networks </a:t>
+            </a:r>
+          </a:p>
+          <a:p>
+            <a:r>
+              <a:rPr lang="en-US" dirty="0"/>
+              <a:t>Reliable network, fail-stop nodes, no </a:t>
+            </a:r>
+            <a:r>
+              <a:rPr lang="en-US" dirty="0" smtClean="0"/>
+              <a:t>replication</a:t>
+            </a:r>
           </a:p>
           <a:p>
             <a:pPr lvl="1"/>
             <a:r>
-              <a:rPr lang="en-US" sz="2400" dirty="0"/>
-              <a:t>If wait logged (or pre state ) ⟹Reclaim locks held by T before </a:t>
-            </a:r>
-            <a:r>
-              <a:rPr lang="en-US" sz="2400" dirty="0" smtClean="0"/>
-              <a:t>crash</a:t>
-            </a:r>
+              <a:rPr lang="en-US" dirty="0" smtClean="0"/>
+              <a:t>Two-phase </a:t>
+            </a:r>
+            <a:r>
+              <a:rPr lang="en-US" dirty="0"/>
+              <a:t>commit (</a:t>
+            </a:r>
+            <a:r>
+              <a:rPr lang="en-US" dirty="0" smtClean="0"/>
+              <a:t>blocking)</a:t>
+            </a:r>
+            <a:endParaRPr lang="en-US" dirty="0"/>
           </a:p>
           <a:p>
             <a:pPr lvl="1"/>
             <a:r>
-              <a:rPr lang="en-US" sz="2400" dirty="0" smtClean="0"/>
-              <a:t>Try </a:t>
-            </a:r>
-            <a:r>
-              <a:rPr lang="en-US" sz="2400" dirty="0"/>
-              <a:t>to terminate T (with other nodes)</a:t>
-            </a:r>
-          </a:p>
-          <a:p>
-            <a:endParaRPr lang="en-US" sz="2800" dirty="0"/>
+              <a:rPr lang="en-US" dirty="0" smtClean="0"/>
+              <a:t>Three-phase </a:t>
+            </a:r>
+            <a:r>
+              <a:rPr lang="en-US" dirty="0"/>
+              <a:t>commit </a:t>
+            </a:r>
+            <a:endParaRPr lang="en-US" dirty="0" smtClean="0"/>
+          </a:p>
+          <a:p>
+            <a:pPr lvl="2"/>
+            <a:r>
+              <a:rPr lang="en-US" dirty="0" smtClean="0"/>
+              <a:t>Basic </a:t>
+            </a:r>
+            <a:r>
+              <a:rPr lang="en-US" dirty="0"/>
+              <a:t>(non-blocking) </a:t>
+            </a:r>
+            <a:endParaRPr lang="en-US" dirty="0" smtClean="0"/>
+          </a:p>
+          <a:p>
+            <a:pPr lvl="2"/>
+            <a:r>
+              <a:rPr lang="en-US" dirty="0" smtClean="0"/>
+              <a:t>With </a:t>
+            </a:r>
+            <a:r>
+              <a:rPr lang="en-US" dirty="0"/>
+              <a:t>majority votes </a:t>
+            </a:r>
+            <a:r>
+              <a:rPr lang="en-US" altLang="zh-CN" dirty="0" smtClean="0"/>
+              <a:t>(blocking)</a:t>
+            </a:r>
+            <a:endParaRPr lang="en-US" dirty="0"/>
+          </a:p>
+          <a:p>
+            <a:endParaRPr lang="en-US" dirty="0"/>
           </a:p>
         </p:txBody>
       </p:sp>
@@ -11809,224 +11856,6 @@
                 <a:defRPr/>
               </a:pPr>
               <a:t>31</a:t>
-            </a:fld>
-            <a:endParaRPr lang="zh-CN" altLang="en-US"/>
-          </a:p>
-        </p:txBody>
-      </p:sp>
-    </p:spTree>
-    <p:extLst>
-      <p:ext uri="{BB962C8B-B14F-4D97-AF65-F5344CB8AC3E}">
-        <p14:creationId xmlns:p14="http://schemas.microsoft.com/office/powerpoint/2010/main" val="539822837"/>
-      </p:ext>
-    </p:extLst>
-  </p:cSld>
-  <p:clrMapOvr>
-    <a:masterClrMapping/>
-  </p:clrMapOvr>
-</p:sld>
-</file>
-
-<file path=ppt/slides/slide32.xml><?xml version="1.0" encoding="utf-8"?>
-<p:sld xmlns:a="http://schemas.openxmlformats.org/drawingml/2006/main" xmlns:r="http://schemas.openxmlformats.org/officeDocument/2006/relationships" xmlns:p="http://schemas.openxmlformats.org/presentationml/2006/main">
-  <p:cSld>
-    <p:spTree>
-      <p:nvGrpSpPr>
-        <p:cNvPr id="1" name=""/>
-        <p:cNvGrpSpPr/>
-        <p:nvPr/>
-      </p:nvGrpSpPr>
-      <p:grpSpPr>
-        <a:xfrm>
-          <a:off x="0" y="0"/>
-          <a:ext cx="0" cy="0"/>
-          <a:chOff x="0" y="0"/>
-          <a:chExt cx="0" cy="0"/>
-        </a:xfrm>
-      </p:grpSpPr>
-      <p:sp>
-        <p:nvSpPr>
-          <p:cNvPr id="2" name="Title 1"/>
-          <p:cNvSpPr>
-            <a:spLocks noGrp="1"/>
-          </p:cNvSpPr>
-          <p:nvPr>
-            <p:ph type="title"/>
-          </p:nvPr>
-        </p:nvSpPr>
-        <p:spPr/>
-        <p:txBody>
-          <a:bodyPr/>
-          <a:lstStyle/>
-          <a:p>
-            <a:r>
-              <a:rPr lang="en-US" altLang="zh-CN" dirty="0" err="1" smtClean="0"/>
-              <a:t>Reliablity</a:t>
-            </a:r>
-            <a:r>
-              <a:rPr lang="en-US" altLang="zh-CN" dirty="0" smtClean="0"/>
-              <a:t> Summary</a:t>
-            </a:r>
-            <a:endParaRPr lang="en-US" dirty="0"/>
-          </a:p>
-        </p:txBody>
-      </p:sp>
-      <p:sp>
-        <p:nvSpPr>
-          <p:cNvPr id="3" name="Content Placeholder 2"/>
-          <p:cNvSpPr>
-            <a:spLocks noGrp="1"/>
-          </p:cNvSpPr>
-          <p:nvPr>
-            <p:ph idx="1"/>
-          </p:nvPr>
-        </p:nvSpPr>
-        <p:spPr/>
-        <p:txBody>
-          <a:bodyPr/>
-          <a:lstStyle/>
-          <a:p>
-            <a:r>
-              <a:rPr lang="en-US" dirty="0"/>
-              <a:t>Failure models </a:t>
-            </a:r>
-          </a:p>
-          <a:p>
-            <a:pPr lvl="1"/>
-            <a:r>
-              <a:rPr lang="en-US" dirty="0" smtClean="0"/>
-              <a:t>Nodes </a:t>
-            </a:r>
-            <a:endParaRPr lang="en-US" dirty="0"/>
-          </a:p>
-          <a:p>
-            <a:pPr lvl="1"/>
-            <a:r>
-              <a:rPr lang="en-US" dirty="0"/>
-              <a:t>Networks </a:t>
-            </a:r>
-          </a:p>
-          <a:p>
-            <a:r>
-              <a:rPr lang="en-US" dirty="0"/>
-              <a:t>Reliable network, fail-stop nodes, no </a:t>
-            </a:r>
-            <a:r>
-              <a:rPr lang="en-US" dirty="0" smtClean="0"/>
-              <a:t>replication</a:t>
-            </a:r>
-          </a:p>
-          <a:p>
-            <a:pPr lvl="1"/>
-            <a:r>
-              <a:rPr lang="en-US" dirty="0" smtClean="0"/>
-              <a:t>Two-phase </a:t>
-            </a:r>
-            <a:r>
-              <a:rPr lang="en-US" dirty="0"/>
-              <a:t>commit (</a:t>
-            </a:r>
-            <a:r>
-              <a:rPr lang="en-US" dirty="0" smtClean="0"/>
-              <a:t>blocking)</a:t>
-            </a:r>
-            <a:endParaRPr lang="en-US" dirty="0"/>
-          </a:p>
-          <a:p>
-            <a:pPr lvl="1"/>
-            <a:r>
-              <a:rPr lang="en-US" dirty="0" smtClean="0"/>
-              <a:t>Three-phase </a:t>
-            </a:r>
-            <a:r>
-              <a:rPr lang="en-US" dirty="0"/>
-              <a:t>commit </a:t>
-            </a:r>
-            <a:endParaRPr lang="en-US" dirty="0" smtClean="0"/>
-          </a:p>
-          <a:p>
-            <a:pPr lvl="2"/>
-            <a:r>
-              <a:rPr lang="en-US" dirty="0" smtClean="0"/>
-              <a:t>Basic </a:t>
-            </a:r>
-            <a:r>
-              <a:rPr lang="en-US" dirty="0"/>
-              <a:t>(non-blocking) </a:t>
-            </a:r>
-            <a:endParaRPr lang="en-US" dirty="0" smtClean="0"/>
-          </a:p>
-          <a:p>
-            <a:pPr lvl="2"/>
-            <a:r>
-              <a:rPr lang="en-US" dirty="0" smtClean="0"/>
-              <a:t>With </a:t>
-            </a:r>
-            <a:r>
-              <a:rPr lang="en-US" dirty="0"/>
-              <a:t>majority votes </a:t>
-            </a:r>
-            <a:r>
-              <a:rPr lang="en-US" altLang="zh-CN" dirty="0" smtClean="0"/>
-              <a:t>(blocking)</a:t>
-            </a:r>
-            <a:endParaRPr lang="en-US" dirty="0"/>
-          </a:p>
-          <a:p>
-            <a:endParaRPr lang="en-US" dirty="0"/>
-          </a:p>
-        </p:txBody>
-      </p:sp>
-      <p:sp>
-        <p:nvSpPr>
-          <p:cNvPr id="4" name="Footer Placeholder 3"/>
-          <p:cNvSpPr>
-            <a:spLocks noGrp="1"/>
-          </p:cNvSpPr>
-          <p:nvPr>
-            <p:ph type="ftr" sz="quarter" idx="11"/>
-          </p:nvPr>
-        </p:nvSpPr>
-        <p:spPr/>
-        <p:txBody>
-          <a:bodyPr/>
-          <a:lstStyle/>
-          <a:p>
-            <a:pPr>
-              <a:defRPr/>
-            </a:pPr>
-            <a:r>
-              <a:rPr lang="en-US" altLang="zh-CN" smtClean="0"/>
-              <a:t>Distributed Database Systems</a:t>
-            </a:r>
-            <a:endParaRPr lang="zh-CN" altLang="en-US"/>
-          </a:p>
-        </p:txBody>
-      </p:sp>
-      <p:sp>
-        <p:nvSpPr>
-          <p:cNvPr id="5" name="Slide Number Placeholder 4"/>
-          <p:cNvSpPr>
-            <a:spLocks noGrp="1"/>
-          </p:cNvSpPr>
-          <p:nvPr>
-            <p:ph type="sldNum" sz="quarter" idx="12"/>
-          </p:nvPr>
-        </p:nvSpPr>
-        <p:spPr/>
-        <p:txBody>
-          <a:bodyPr/>
-          <a:lstStyle/>
-          <a:p>
-            <a:pPr>
-              <a:defRPr/>
-            </a:pPr>
-            <a:fld id="{07A5CAEE-885A-5D41-93DF-9DC29A9FE4F0}" type="slidenum">
-              <a:rPr lang="zh-CN" altLang="en-US" smtClean="0"/>
-              <a:pPr>
-                <a:defRPr/>
-              </a:pPr>
-              <a:t>32</a:t>
             </a:fld>
             <a:endParaRPr lang="zh-CN" altLang="en-US"/>
           </a:p>
@@ -12045,7 +11874,7 @@
 </p:sld>
 </file>
 
-<file path=ppt/slides/slide33.xml><?xml version="1.0" encoding="utf-8"?>
+<file path=ppt/slides/slide32.xml><?xml version="1.0" encoding="utf-8"?>
 <p:sld xmlns:a="http://schemas.openxmlformats.org/drawingml/2006/main" xmlns:r="http://schemas.openxmlformats.org/officeDocument/2006/relationships" xmlns:p="http://schemas.openxmlformats.org/presentationml/2006/main">
   <p:cSld>
     <p:spTree>
@@ -12470,7 +12299,7 @@
                 <a:buFontTx/>
                 <a:buNone/>
               </a:pPr>
-              <a:t>33</a:t>
+              <a:t>32</a:t>
             </a:fld>
             <a:endParaRPr lang="zh-CN" altLang="en-US" sz="1200">
               <a:solidFill>
@@ -12500,7 +12329,7 @@
 </p:sld>
 </file>
 
-<file path=ppt/slides/slide34.xml><?xml version="1.0" encoding="utf-8"?>
+<file path=ppt/slides/slide33.xml><?xml version="1.0" encoding="utf-8"?>
 <p:sld xmlns:a="http://schemas.openxmlformats.org/drawingml/2006/main" xmlns:r="http://schemas.openxmlformats.org/officeDocument/2006/relationships" xmlns:p="http://schemas.openxmlformats.org/presentationml/2006/main">
   <p:cSld>
     <p:spTree>
@@ -12888,7 +12717,7 @@
                 <a:buFontTx/>
                 <a:buNone/>
               </a:pPr>
-              <a:t>34</a:t>
+              <a:t>33</a:t>
             </a:fld>
             <a:endParaRPr lang="zh-CN" altLang="en-US" sz="1200">
               <a:solidFill>
@@ -12918,7 +12747,7 @@
 </p:sld>
 </file>
 
-<file path=ppt/slides/slide35.xml><?xml version="1.0" encoding="utf-8"?>
+<file path=ppt/slides/slide34.xml><?xml version="1.0" encoding="utf-8"?>
 <p:sld xmlns:a="http://schemas.openxmlformats.org/drawingml/2006/main" xmlns:r="http://schemas.openxmlformats.org/officeDocument/2006/relationships" xmlns:p="http://schemas.openxmlformats.org/presentationml/2006/main">
   <p:cSld>
     <p:spTree>
@@ -13323,7 +13152,7 @@
                 <a:buFontTx/>
                 <a:buNone/>
               </a:pPr>
-              <a:t>35</a:t>
+              <a:t>34</a:t>
             </a:fld>
             <a:endParaRPr lang="zh-CN" altLang="en-US" sz="1200">
               <a:solidFill>
@@ -13353,7 +13182,7 @@
 </p:sld>
 </file>
 
-<file path=ppt/slides/slide36.xml><?xml version="1.0" encoding="utf-8"?>
+<file path=ppt/slides/slide35.xml><?xml version="1.0" encoding="utf-8"?>
 <p:sld xmlns:a="http://schemas.openxmlformats.org/drawingml/2006/main" xmlns:r="http://schemas.openxmlformats.org/officeDocument/2006/relationships" xmlns:p="http://schemas.openxmlformats.org/presentationml/2006/main">
   <p:cSld>
     <p:spTree>
@@ -13751,7 +13580,7 @@
                 <a:buFontTx/>
                 <a:buNone/>
               </a:pPr>
-              <a:t>36</a:t>
+              <a:t>35</a:t>
             </a:fld>
             <a:endParaRPr lang="zh-CN" altLang="en-US" sz="1200">
               <a:solidFill>
@@ -13781,7 +13610,7 @@
 </p:sld>
 </file>
 
-<file path=ppt/slides/slide37.xml><?xml version="1.0" encoding="utf-8"?>
+<file path=ppt/slides/slide36.xml><?xml version="1.0" encoding="utf-8"?>
 <p:sld xmlns:a="http://schemas.openxmlformats.org/drawingml/2006/main" xmlns:r="http://schemas.openxmlformats.org/officeDocument/2006/relationships" xmlns:p="http://schemas.openxmlformats.org/presentationml/2006/main">
   <p:cSld>
     <p:spTree>
@@ -14179,7 +14008,7 @@
                 <a:buFontTx/>
                 <a:buNone/>
               </a:pPr>
-              <a:t>37</a:t>
+              <a:t>36</a:t>
             </a:fld>
             <a:endParaRPr lang="zh-CN" altLang="en-US" sz="1200">
               <a:solidFill>
@@ -14209,7 +14038,7 @@
 </p:sld>
 </file>
 
-<file path=ppt/slides/slide38.xml><?xml version="1.0" encoding="utf-8"?>
+<file path=ppt/slides/slide37.xml><?xml version="1.0" encoding="utf-8"?>
 <p:sld xmlns:a="http://schemas.openxmlformats.org/drawingml/2006/main" xmlns:r="http://schemas.openxmlformats.org/officeDocument/2006/relationships" xmlns:p="http://schemas.openxmlformats.org/presentationml/2006/main">
   <p:cSld>
     <p:spTree>
@@ -14517,7 +14346,7 @@
               <a:pPr>
                 <a:defRPr/>
               </a:pPr>
-              <a:t>38</a:t>
+              <a:t>37</a:t>
             </a:fld>
             <a:endParaRPr lang="zh-CN" altLang="en-US"/>
           </a:p>
